--- a/02f Python and R.pptx
+++ b/02f Python and R.pptx
@@ -5,32 +5,39 @@
     <p:sldMasterId id="2147483659" r:id="rId1"/>
   </p:sldMasterIdLst>
   <p:notesMasterIdLst>
-    <p:notesMasterId r:id="rId15"/>
+    <p:notesMasterId r:id="rId22"/>
   </p:notesMasterIdLst>
   <p:sldIdLst>
     <p:sldId id="263" r:id="rId2"/>
-    <p:sldId id="273" r:id="rId3"/>
-    <p:sldId id="289" r:id="rId4"/>
-    <p:sldId id="290" r:id="rId5"/>
-    <p:sldId id="291" r:id="rId6"/>
-    <p:sldId id="292" r:id="rId7"/>
-    <p:sldId id="293" r:id="rId8"/>
-    <p:sldId id="294" r:id="rId9"/>
-    <p:sldId id="295" r:id="rId10"/>
-    <p:sldId id="296" r:id="rId11"/>
-    <p:sldId id="297" r:id="rId12"/>
-    <p:sldId id="298" r:id="rId13"/>
-    <p:sldId id="299" r:id="rId14"/>
+    <p:sldId id="281" r:id="rId3"/>
+    <p:sldId id="264" r:id="rId4"/>
+    <p:sldId id="283" r:id="rId5"/>
+    <p:sldId id="282" r:id="rId6"/>
+    <p:sldId id="265" r:id="rId7"/>
+    <p:sldId id="266" r:id="rId8"/>
+    <p:sldId id="267" r:id="rId9"/>
+    <p:sldId id="268" r:id="rId10"/>
+    <p:sldId id="269" r:id="rId11"/>
+    <p:sldId id="270" r:id="rId12"/>
+    <p:sldId id="280" r:id="rId13"/>
+    <p:sldId id="271" r:id="rId14"/>
+    <p:sldId id="272" r:id="rId15"/>
+    <p:sldId id="273" r:id="rId16"/>
+    <p:sldId id="274" r:id="rId17"/>
+    <p:sldId id="275" r:id="rId18"/>
+    <p:sldId id="276" r:id="rId19"/>
+    <p:sldId id="277" r:id="rId20"/>
+    <p:sldId id="278" r:id="rId21"/>
   </p:sldIdLst>
   <p:sldSz cx="9144000" cy="5143500" type="screen16x9"/>
   <p:notesSz cx="6858000" cy="9144000"/>
   <p:embeddedFontLst>
     <p:embeddedFont>
       <p:font typeface="Roboto" panose="02000000000000000000" pitchFamily="2" charset="0"/>
-      <p:regular r:id="rId16"/>
-      <p:bold r:id="rId17"/>
-      <p:italic r:id="rId18"/>
-      <p:boldItalic r:id="rId19"/>
+      <p:regular r:id="rId23"/>
+      <p:bold r:id="rId24"/>
+      <p:italic r:id="rId25"/>
+      <p:boldItalic r:id="rId26"/>
     </p:embeddedFont>
   </p:embeddedFontLst>
   <p:defaultTextStyle>
@@ -788,6 +795,72 @@
 </p:notes>
 </file>
 
+<file path=ppt/notesSlides/notesSlide2.xml><?xml version="1.0" encoding="utf-8"?>
+<p:notes xmlns:a="http://schemas.openxmlformats.org/drawingml/2006/main" xmlns:r="http://schemas.openxmlformats.org/officeDocument/2006/relationships" xmlns:p="http://schemas.openxmlformats.org/presentationml/2006/main">
+  <p:cSld>
+    <p:spTree>
+      <p:nvGrpSpPr>
+        <p:cNvPr id="1" name=""/>
+        <p:cNvGrpSpPr/>
+        <p:nvPr/>
+      </p:nvGrpSpPr>
+      <p:grpSpPr>
+        <a:xfrm>
+          <a:off x="0" y="0"/>
+          <a:ext cx="0" cy="0"/>
+          <a:chOff x="0" y="0"/>
+          <a:chExt cx="0" cy="0"/>
+        </a:xfrm>
+      </p:grpSpPr>
+      <p:sp>
+        <p:nvSpPr>
+          <p:cNvPr id="2" name="Slide Image Placeholder 1"/>
+          <p:cNvSpPr>
+            <a:spLocks noGrp="1" noRot="1" noChangeAspect="1"/>
+          </p:cNvSpPr>
+          <p:nvPr>
+            <p:ph type="sldImg"/>
+          </p:nvPr>
+        </p:nvSpPr>
+        <p:spPr>
+          <a:xfrm>
+            <a:off x="381000" y="685800"/>
+            <a:ext cx="6096000" cy="3429000"/>
+          </a:xfrm>
+        </p:spPr>
+      </p:sp>
+      <p:sp>
+        <p:nvSpPr>
+          <p:cNvPr id="3" name="Notes Placeholder 2"/>
+          <p:cNvSpPr>
+            <a:spLocks noGrp="1"/>
+          </p:cNvSpPr>
+          <p:nvPr>
+            <p:ph type="body" idx="1"/>
+          </p:nvPr>
+        </p:nvSpPr>
+        <p:spPr/>
+        <p:txBody>
+          <a:bodyPr/>
+          <a:lstStyle/>
+          <a:p>
+            <a:endParaRPr lang="en-US"/>
+          </a:p>
+        </p:txBody>
+      </p:sp>
+    </p:spTree>
+    <p:extLst>
+      <p:ext uri="{BB962C8B-B14F-4D97-AF65-F5344CB8AC3E}">
+        <p14:creationId xmlns:p14="http://schemas.microsoft.com/office/powerpoint/2010/main" val="2572643178"/>
+      </p:ext>
+    </p:extLst>
+  </p:cSld>
+  <p:clrMapOvr>
+    <a:masterClrMapping/>
+  </p:clrMapOvr>
+</p:notes>
+</file>
+
 <file path=ppt/slideLayouts/slideLayout1.xml><?xml version="1.0" encoding="utf-8"?>
 <p:sldLayout xmlns:a="http://schemas.openxmlformats.org/drawingml/2006/main" xmlns:r="http://schemas.openxmlformats.org/officeDocument/2006/relationships" xmlns:p="http://schemas.openxmlformats.org/presentationml/2006/main" matchingName="Caption">
   <p:cSld name="CAPTION_ONLY">
@@ -937,110 +1010,6 @@
 </file>
 
 <file path=ppt/slideLayouts/slideLayout2.xml><?xml version="1.0" encoding="utf-8"?>
-<p:sldLayout xmlns:a="http://schemas.openxmlformats.org/drawingml/2006/main" xmlns:r="http://schemas.openxmlformats.org/officeDocument/2006/relationships" xmlns:p="http://schemas.openxmlformats.org/presentationml/2006/main" matchingName="Blank" type="blank">
-  <p:cSld name="BLANK">
-    <p:spTree>
-      <p:nvGrpSpPr>
-        <p:cNvPr id="1" name="Shape 55"/>
-        <p:cNvGrpSpPr/>
-        <p:nvPr/>
-      </p:nvGrpSpPr>
-      <p:grpSpPr>
-        <a:xfrm>
-          <a:off x="0" y="0"/>
-          <a:ext cx="0" cy="0"/>
-          <a:chOff x="0" y="0"/>
-          <a:chExt cx="0" cy="0"/>
-        </a:xfrm>
-      </p:grpSpPr>
-      <p:sp>
-        <p:nvSpPr>
-          <p:cNvPr id="56" name="Google Shape;56;p12"/>
-          <p:cNvSpPr txBox="1">
-            <a:spLocks noGrp="1"/>
-          </p:cNvSpPr>
-          <p:nvPr>
-            <p:ph type="sldNum" idx="12"/>
-          </p:nvPr>
-        </p:nvSpPr>
-        <p:spPr>
-          <a:xfrm>
-            <a:off x="8472458" y="4663217"/>
-            <a:ext cx="548700" cy="393600"/>
-          </a:xfrm>
-          <a:prstGeom prst="rect">
-            <a:avLst/>
-          </a:prstGeom>
-        </p:spPr>
-        <p:txBody>
-          <a:bodyPr spcFirstLastPara="1" wrap="square" lIns="91425" tIns="91425" rIns="91425" bIns="91425" anchor="ctr" anchorCtr="0">
-            <a:noAutofit/>
-          </a:bodyPr>
-          <a:lstStyle>
-            <a:lvl1pPr lvl="0">
-              <a:buNone/>
-              <a:defRPr/>
-            </a:lvl1pPr>
-            <a:lvl2pPr lvl="1">
-              <a:buNone/>
-              <a:defRPr/>
-            </a:lvl2pPr>
-            <a:lvl3pPr lvl="2">
-              <a:buNone/>
-              <a:defRPr/>
-            </a:lvl3pPr>
-            <a:lvl4pPr lvl="3">
-              <a:buNone/>
-              <a:defRPr/>
-            </a:lvl4pPr>
-            <a:lvl5pPr lvl="4">
-              <a:buNone/>
-              <a:defRPr/>
-            </a:lvl5pPr>
-            <a:lvl6pPr lvl="5">
-              <a:buNone/>
-              <a:defRPr/>
-            </a:lvl6pPr>
-            <a:lvl7pPr lvl="6">
-              <a:buNone/>
-              <a:defRPr/>
-            </a:lvl7pPr>
-            <a:lvl8pPr lvl="7">
-              <a:buNone/>
-              <a:defRPr/>
-            </a:lvl8pPr>
-            <a:lvl9pPr lvl="8">
-              <a:buNone/>
-              <a:defRPr/>
-            </a:lvl9pPr>
-          </a:lstStyle>
-          <a:p>
-            <a:pPr marL="0" lvl="0" indent="0" algn="r" rtl="0">
-              <a:spcBef>
-                <a:spcPts val="0"/>
-              </a:spcBef>
-              <a:spcAft>
-                <a:spcPts val="0"/>
-              </a:spcAft>
-              <a:buNone/>
-            </a:pPr>
-            <a:fld id="{00000000-1234-1234-1234-123412341234}" type="slidenum">
-              <a:rPr lang="en"/>
-              <a:t>‹#›</a:t>
-            </a:fld>
-            <a:endParaRPr/>
-          </a:p>
-        </p:txBody>
-      </p:sp>
-    </p:spTree>
-  </p:cSld>
-  <p:clrMapOvr>
-    <a:masterClrMapping/>
-  </p:clrMapOvr>
-</p:sldLayout>
-</file>
-
-<file path=ppt/slideLayouts/slideLayout3.xml><?xml version="1.0" encoding="utf-8"?>
 <p:sldLayout xmlns:a="http://schemas.openxmlformats.org/drawingml/2006/main" xmlns:r="http://schemas.openxmlformats.org/officeDocument/2006/relationships" xmlns:p="http://schemas.openxmlformats.org/presentationml/2006/main" matchingName="Title only" type="titleOnly">
   <p:cSld name="Title only">
     <p:spTree>
@@ -1278,7 +1247,7 @@
 </p:sldLayout>
 </file>
 
-<file path=ppt/slideLayouts/slideLayout4.xml><?xml version="1.0" encoding="utf-8"?>
+<file path=ppt/slideLayouts/slideLayout3.xml><?xml version="1.0" encoding="utf-8"?>
 <p:sldLayout xmlns:a="http://schemas.openxmlformats.org/drawingml/2006/main" xmlns:r="http://schemas.openxmlformats.org/officeDocument/2006/relationships" xmlns:p="http://schemas.openxmlformats.org/presentationml/2006/main" matchingName="Main point">
   <p:cSld name="Main point">
     <p:spTree>
@@ -2212,7 +2181,7 @@
           <p:nvPr/>
         </p:nvPicPr>
         <p:blipFill rotWithShape="1">
-          <a:blip r:embed="rId6">
+          <a:blip r:embed="rId5">
             <a:alphaModFix/>
           </a:blip>
           <a:srcRect b="88865"/>
@@ -2239,7 +2208,7 @@
           <p:nvPr/>
         </p:nvPicPr>
         <p:blipFill>
-          <a:blip r:embed="rId7">
+          <a:blip r:embed="rId6">
             <a:alphaModFix/>
           </a:blip>
           <a:stretch>
@@ -2265,9 +2234,8 @@
   <p:clrMap bg1="lt1" tx1="dk1" bg2="dk2" tx2="lt2" accent1="accent1" accent2="accent2" accent3="accent3" accent4="accent4" accent5="accent5" accent6="accent6" hlink="hlink" folHlink="folHlink"/>
   <p:sldLayoutIdLst>
     <p:sldLayoutId id="2147483656" r:id="rId1"/>
-    <p:sldLayoutId id="2147483658" r:id="rId2"/>
-    <p:sldLayoutId id="2147483660" r:id="rId3"/>
-    <p:sldLayoutId id="2147483663" r:id="rId4"/>
+    <p:sldLayoutId id="2147483660" r:id="rId2"/>
+    <p:sldLayoutId id="2147483663" r:id="rId3"/>
   </p:sldLayoutIdLst>
   <p:hf sldNum="0" hdr="0" ftr="0" dt="0"/>
   <p:txStyles>
@@ -3002,7 +2970,7 @@
           <a:p>
             <a:r>
               <a:rPr lang="en-US" dirty="0"/>
-              <a:t>MongoDB Compass</a:t>
+              <a:t>Connecting with Python</a:t>
             </a:r>
           </a:p>
         </p:txBody>
@@ -3017,13 +2985,13 @@
   <p:clrMapOvr>
     <a:masterClrMapping/>
   </p:clrMapOvr>
-  <mc:AlternateContent xmlns:mc="http://schemas.openxmlformats.org/markup-compatibility/2006" xmlns:p14="http://schemas.microsoft.com/office/powerpoint/2010/main">
-    <mc:Choice Requires="p14">
+  <mc:AlternateContent xmlns:mc="http://schemas.openxmlformats.org/markup-compatibility/2006">
+    <mc:Choice xmlns:p14="http://schemas.microsoft.com/office/powerpoint/2010/main" Requires="p14">
       <p:transition spd="med" p14:dur="700">
         <p:fade/>
       </p:transition>
     </mc:Choice>
-    <mc:Fallback xmlns="">
+    <mc:Fallback>
       <p:transition spd="med">
         <p:fade/>
       </p:transition>
@@ -3049,12 +3017,37 @@
           <a:chExt cx="0" cy="0"/>
         </a:xfrm>
       </p:grpSpPr>
+      <p:sp>
+        <p:nvSpPr>
+          <p:cNvPr id="2" name="Title 1">
+            <a:extLst>
+              <a:ext uri="{FF2B5EF4-FFF2-40B4-BE49-F238E27FC236}">
+                <a16:creationId xmlns:a16="http://schemas.microsoft.com/office/drawing/2014/main" id="{1B722A25-4439-4533-B0F0-FA77DA695F23}"/>
+              </a:ext>
+            </a:extLst>
+          </p:cNvPr>
+          <p:cNvSpPr>
+            <a:spLocks noGrp="1"/>
+          </p:cNvSpPr>
+          <p:nvPr>
+            <p:ph type="title"/>
+          </p:nvPr>
+        </p:nvSpPr>
+        <p:spPr/>
+        <p:txBody>
+          <a:bodyPr/>
+          <a:lstStyle/>
+          <a:p>
+            <a:endParaRPr lang="en-GB"/>
+          </a:p>
+        </p:txBody>
+      </p:sp>
       <p:pic>
         <p:nvPicPr>
-          <p:cNvPr id="3" name="Picture 2" descr="Graphical user interface, text, application, email&#10;&#10;Description automatically generated">
+          <p:cNvPr id="4" name="Picture 3" descr="Text&#10;&#10;Description automatically generated">
             <a:extLst>
               <a:ext uri="{FF2B5EF4-FFF2-40B4-BE49-F238E27FC236}">
-                <a16:creationId xmlns:a16="http://schemas.microsoft.com/office/drawing/2014/main" id="{9A6C04B2-EADE-4DFF-896E-78C901057A8F}"/>
+                <a16:creationId xmlns:a16="http://schemas.microsoft.com/office/drawing/2014/main" id="{22C43FE8-3DC9-4B18-9ECE-3243CA063DF6}"/>
               </a:ext>
             </a:extLst>
           </p:cNvPr>
@@ -3071,8 +3064,8 @@
         </p:blipFill>
         <p:spPr>
           <a:xfrm>
-            <a:off x="0" y="566960"/>
-            <a:ext cx="9144000" cy="4576540"/>
+            <a:off x="0" y="470771"/>
+            <a:ext cx="9144000" cy="4672729"/>
           </a:xfrm>
           <a:prstGeom prst="rect">
             <a:avLst/>
@@ -3082,13 +3075,25 @@
     </p:spTree>
     <p:extLst>
       <p:ext uri="{BB962C8B-B14F-4D97-AF65-F5344CB8AC3E}">
-        <p14:creationId xmlns:p14="http://schemas.microsoft.com/office/powerpoint/2010/main" val="1360964000"/>
+        <p14:creationId xmlns:p14="http://schemas.microsoft.com/office/powerpoint/2010/main" val="3123919582"/>
       </p:ext>
     </p:extLst>
   </p:cSld>
   <p:clrMapOvr>
     <a:masterClrMapping/>
   </p:clrMapOvr>
+  <mc:AlternateContent xmlns:mc="http://schemas.openxmlformats.org/markup-compatibility/2006">
+    <mc:Choice xmlns:p14="http://schemas.microsoft.com/office/powerpoint/2010/main" Requires="p14">
+      <p:transition spd="med" p14:dur="700">
+        <p:fade/>
+      </p:transition>
+    </mc:Choice>
+    <mc:Fallback>
+      <p:transition spd="med">
+        <p:fade/>
+      </p:transition>
+    </mc:Fallback>
+  </mc:AlternateContent>
 </p:sld>
 </file>
 
@@ -3109,12 +3114,37 @@
           <a:chExt cx="0" cy="0"/>
         </a:xfrm>
       </p:grpSpPr>
+      <p:sp>
+        <p:nvSpPr>
+          <p:cNvPr id="2" name="Title 1">
+            <a:extLst>
+              <a:ext uri="{FF2B5EF4-FFF2-40B4-BE49-F238E27FC236}">
+                <a16:creationId xmlns:a16="http://schemas.microsoft.com/office/drawing/2014/main" id="{5D228410-2DBA-439C-8780-D6B751385729}"/>
+              </a:ext>
+            </a:extLst>
+          </p:cNvPr>
+          <p:cNvSpPr>
+            <a:spLocks noGrp="1"/>
+          </p:cNvSpPr>
+          <p:nvPr>
+            <p:ph type="title"/>
+          </p:nvPr>
+        </p:nvSpPr>
+        <p:spPr/>
+        <p:txBody>
+          <a:bodyPr/>
+          <a:lstStyle/>
+          <a:p>
+            <a:endParaRPr lang="en-GB"/>
+          </a:p>
+        </p:txBody>
+      </p:sp>
       <p:pic>
         <p:nvPicPr>
-          <p:cNvPr id="3" name="Picture 2" descr="Graphical user interface, text, application, email&#10;&#10;Description automatically generated">
+          <p:cNvPr id="4" name="Picture 3" descr="Text&#10;&#10;Description automatically generated">
             <a:extLst>
               <a:ext uri="{FF2B5EF4-FFF2-40B4-BE49-F238E27FC236}">
-                <a16:creationId xmlns:a16="http://schemas.microsoft.com/office/drawing/2014/main" id="{8D9739B2-DBDE-4596-927D-B4FDA17D921C}"/>
+                <a16:creationId xmlns:a16="http://schemas.microsoft.com/office/drawing/2014/main" id="{A164FB6F-2683-41D4-B0CD-78711B89B104}"/>
               </a:ext>
             </a:extLst>
           </p:cNvPr>
@@ -3131,154 +3161,36 @@
         </p:blipFill>
         <p:spPr>
           <a:xfrm>
-            <a:off x="0" y="566960"/>
-            <a:ext cx="9144000" cy="4576540"/>
+            <a:off x="0" y="470771"/>
+            <a:ext cx="9144000" cy="4672729"/>
           </a:xfrm>
           <a:prstGeom prst="rect">
             <a:avLst/>
           </a:prstGeom>
         </p:spPr>
       </p:pic>
-      <p:sp>
-        <p:nvSpPr>
-          <p:cNvPr id="4" name="Rectangle 3">
-            <a:extLst>
-              <a:ext uri="{FF2B5EF4-FFF2-40B4-BE49-F238E27FC236}">
-                <a16:creationId xmlns:a16="http://schemas.microsoft.com/office/drawing/2014/main" id="{553B1AA7-0FD8-47D4-95E4-55F3781A9A6D}"/>
-              </a:ext>
-            </a:extLst>
-          </p:cNvPr>
-          <p:cNvSpPr/>
-          <p:nvPr/>
-        </p:nvSpPr>
-        <p:spPr>
-          <a:xfrm>
-            <a:off x="1801505" y="1642281"/>
-            <a:ext cx="727880" cy="163773"/>
-          </a:xfrm>
-          <a:prstGeom prst="rect">
-            <a:avLst/>
-          </a:prstGeom>
-          <a:noFill/>
-          <a:ln w="12700">
-            <a:solidFill>
-              <a:srgbClr val="C00000"/>
-            </a:solidFill>
-          </a:ln>
-        </p:spPr>
-        <p:style>
-          <a:lnRef idx="2">
-            <a:schemeClr val="accent1">
-              <a:shade val="50000"/>
-            </a:schemeClr>
-          </a:lnRef>
-          <a:fillRef idx="1">
-            <a:schemeClr val="accent1"/>
-          </a:fillRef>
-          <a:effectRef idx="0">
-            <a:schemeClr val="accent1"/>
-          </a:effectRef>
-          <a:fontRef idx="minor">
-            <a:schemeClr val="lt1"/>
-          </a:fontRef>
-        </p:style>
-        <p:txBody>
-          <a:bodyPr rtlCol="0" anchor="ctr"/>
-          <a:lstStyle/>
-          <a:p>
-            <a:pPr algn="ctr"/>
-            <a:endParaRPr lang="en-GB"/>
-          </a:p>
-        </p:txBody>
-      </p:sp>
     </p:spTree>
     <p:extLst>
       <p:ext uri="{BB962C8B-B14F-4D97-AF65-F5344CB8AC3E}">
-        <p14:creationId xmlns:p14="http://schemas.microsoft.com/office/powerpoint/2010/main" val="3395330397"/>
+        <p14:creationId xmlns:p14="http://schemas.microsoft.com/office/powerpoint/2010/main" val="2878395951"/>
       </p:ext>
     </p:extLst>
   </p:cSld>
   <p:clrMapOvr>
     <a:masterClrMapping/>
   </p:clrMapOvr>
-  <p:timing>
-    <p:tnLst>
-      <p:par>
-        <p:cTn id="1" dur="indefinite" restart="never" nodeType="tmRoot">
-          <p:childTnLst>
-            <p:seq concurrent="1" nextAc="seek">
-              <p:cTn id="2" dur="indefinite" nodeType="mainSeq">
-                <p:childTnLst>
-                  <p:par>
-                    <p:cTn id="3" fill="hold">
-                      <p:stCondLst>
-                        <p:cond delay="indefinite"/>
-                      </p:stCondLst>
-                      <p:childTnLst>
-                        <p:par>
-                          <p:cTn id="4" fill="hold">
-                            <p:stCondLst>
-                              <p:cond delay="0"/>
-                            </p:stCondLst>
-                            <p:childTnLst>
-                              <p:par>
-                                <p:cTn id="5" presetID="1" presetClass="entr" presetSubtype="0" fill="hold" grpId="0" nodeType="clickEffect">
-                                  <p:stCondLst>
-                                    <p:cond delay="0"/>
-                                  </p:stCondLst>
-                                  <p:childTnLst>
-                                    <p:set>
-                                      <p:cBhvr>
-                                        <p:cTn id="6" dur="1" fill="hold">
-                                          <p:stCondLst>
-                                            <p:cond delay="0"/>
-                                          </p:stCondLst>
-                                        </p:cTn>
-                                        <p:tgtEl>
-                                          <p:spTgt spid="4"/>
-                                        </p:tgtEl>
-                                        <p:attrNameLst>
-                                          <p:attrName>style.visibility</p:attrName>
-                                        </p:attrNameLst>
-                                      </p:cBhvr>
-                                      <p:to>
-                                        <p:strVal val="visible"/>
-                                      </p:to>
-                                    </p:set>
-                                  </p:childTnLst>
-                                </p:cTn>
-                              </p:par>
-                            </p:childTnLst>
-                          </p:cTn>
-                        </p:par>
-                      </p:childTnLst>
-                    </p:cTn>
-                  </p:par>
-                </p:childTnLst>
-              </p:cTn>
-              <p:prevCondLst>
-                <p:cond evt="onPrev" delay="0">
-                  <p:tgtEl>
-                    <p:sldTgt/>
-                  </p:tgtEl>
-                </p:cond>
-              </p:prevCondLst>
-              <p:nextCondLst>
-                <p:cond evt="onNext" delay="0">
-                  <p:tgtEl>
-                    <p:sldTgt/>
-                  </p:tgtEl>
-                </p:cond>
-              </p:nextCondLst>
-            </p:seq>
-          </p:childTnLst>
-        </p:cTn>
-      </p:par>
-    </p:tnLst>
-    <p:bldLst>
-      <p:bldP spid="4" grpId="0" animBg="1"/>
-    </p:bldLst>
-  </p:timing>
+  <mc:AlternateContent xmlns:mc="http://schemas.openxmlformats.org/markup-compatibility/2006">
+    <mc:Choice xmlns:p14="http://schemas.microsoft.com/office/powerpoint/2010/main" Requires="p14">
+      <p:transition spd="med" p14:dur="700">
+        <p:fade/>
+      </p:transition>
+    </mc:Choice>
+    <mc:Fallback>
+      <p:transition spd="med">
+        <p:fade/>
+      </p:transition>
+    </mc:Fallback>
+  </mc:AlternateContent>
 </p:sld>
 </file>
 
@@ -3299,46 +3211,56 @@
           <a:chExt cx="0" cy="0"/>
         </a:xfrm>
       </p:grpSpPr>
-      <p:pic>
-        <p:nvPicPr>
-          <p:cNvPr id="3" name="Picture 2" descr="Graphical user interface, text, application, email&#10;&#10;Description automatically generated">
+      <p:sp>
+        <p:nvSpPr>
+          <p:cNvPr id="4" name="Title 3">
             <a:extLst>
               <a:ext uri="{FF2B5EF4-FFF2-40B4-BE49-F238E27FC236}">
-                <a16:creationId xmlns:a16="http://schemas.microsoft.com/office/drawing/2014/main" id="{F32B3566-DCFE-43E3-ABC6-B2BEE9D6A67F}"/>
+                <a16:creationId xmlns:a16="http://schemas.microsoft.com/office/drawing/2014/main" id="{E1608CA5-091C-D24C-85E8-50BE19F78D23}"/>
               </a:ext>
             </a:extLst>
           </p:cNvPr>
-          <p:cNvPicPr>
-            <a:picLocks noChangeAspect="1"/>
-          </p:cNvPicPr>
-          <p:nvPr/>
-        </p:nvPicPr>
-        <p:blipFill>
-          <a:blip r:embed="rId2"/>
-          <a:stretch>
-            <a:fillRect/>
-          </a:stretch>
-        </p:blipFill>
-        <p:spPr>
-          <a:xfrm>
-            <a:off x="0" y="566960"/>
-            <a:ext cx="9144000" cy="4576540"/>
-          </a:xfrm>
-          <a:prstGeom prst="rect">
-            <a:avLst/>
-          </a:prstGeom>
-        </p:spPr>
-      </p:pic>
+          <p:cNvSpPr>
+            <a:spLocks noGrp="1"/>
+          </p:cNvSpPr>
+          <p:nvPr>
+            <p:ph type="title"/>
+          </p:nvPr>
+        </p:nvSpPr>
+        <p:spPr/>
+        <p:txBody>
+          <a:bodyPr/>
+          <a:lstStyle/>
+          <a:p>
+            <a:r>
+              <a:rPr lang="en-US" dirty="0"/>
+              <a:t>Connecting with R</a:t>
+            </a:r>
+          </a:p>
+        </p:txBody>
+      </p:sp>
     </p:spTree>
     <p:extLst>
       <p:ext uri="{BB962C8B-B14F-4D97-AF65-F5344CB8AC3E}">
-        <p14:creationId xmlns:p14="http://schemas.microsoft.com/office/powerpoint/2010/main" val="1192358802"/>
+        <p14:creationId xmlns:p14="http://schemas.microsoft.com/office/powerpoint/2010/main" val="2002386981"/>
       </p:ext>
     </p:extLst>
   </p:cSld>
   <p:clrMapOvr>
     <a:masterClrMapping/>
   </p:clrMapOvr>
+  <mc:AlternateContent xmlns:mc="http://schemas.openxmlformats.org/markup-compatibility/2006">
+    <mc:Choice xmlns:p14="http://schemas.microsoft.com/office/powerpoint/2010/main" Requires="p14">
+      <p:transition spd="med" p14:dur="700">
+        <p:fade/>
+      </p:transition>
+    </mc:Choice>
+    <mc:Fallback>
+      <p:transition spd="med">
+        <p:fade/>
+      </p:transition>
+    </mc:Fallback>
+  </mc:AlternateContent>
 </p:sld>
 </file>
 
@@ -3359,12 +3281,37 @@
           <a:chExt cx="0" cy="0"/>
         </a:xfrm>
       </p:grpSpPr>
+      <p:sp>
+        <p:nvSpPr>
+          <p:cNvPr id="2" name="Title 1">
+            <a:extLst>
+              <a:ext uri="{FF2B5EF4-FFF2-40B4-BE49-F238E27FC236}">
+                <a16:creationId xmlns:a16="http://schemas.microsoft.com/office/drawing/2014/main" id="{9E565DF9-BD75-4389-9D5A-3EB80535CFA1}"/>
+              </a:ext>
+            </a:extLst>
+          </p:cNvPr>
+          <p:cNvSpPr>
+            <a:spLocks noGrp="1"/>
+          </p:cNvSpPr>
+          <p:nvPr>
+            <p:ph type="title"/>
+          </p:nvPr>
+        </p:nvSpPr>
+        <p:spPr/>
+        <p:txBody>
+          <a:bodyPr/>
+          <a:lstStyle/>
+          <a:p>
+            <a:endParaRPr lang="en-GB"/>
+          </a:p>
+        </p:txBody>
+      </p:sp>
       <p:pic>
         <p:nvPicPr>
-          <p:cNvPr id="3" name="Picture 2" descr="Graphical user interface, text, application, email&#10;&#10;Description automatically generated">
+          <p:cNvPr id="4" name="Picture 3" descr="Graphical user interface, application, Word&#10;&#10;Description automatically generated">
             <a:extLst>
               <a:ext uri="{FF2B5EF4-FFF2-40B4-BE49-F238E27FC236}">
-                <a16:creationId xmlns:a16="http://schemas.microsoft.com/office/drawing/2014/main" id="{D876BEB6-1DF1-40EE-A035-0686411DD03E}"/>
+                <a16:creationId xmlns:a16="http://schemas.microsoft.com/office/drawing/2014/main" id="{706E1AA9-F278-4B88-9555-9AEBA5EAB5BB}"/>
               </a:ext>
             </a:extLst>
           </p:cNvPr>
@@ -3381,8 +3328,8 @@
         </p:blipFill>
         <p:spPr>
           <a:xfrm>
-            <a:off x="0" y="566960"/>
-            <a:ext cx="9144000" cy="4576540"/>
+            <a:off x="0" y="573832"/>
+            <a:ext cx="9144000" cy="4569668"/>
           </a:xfrm>
           <a:prstGeom prst="rect">
             <a:avLst/>
@@ -3392,13 +3339,607 @@
     </p:spTree>
     <p:extLst>
       <p:ext uri="{BB962C8B-B14F-4D97-AF65-F5344CB8AC3E}">
-        <p14:creationId xmlns:p14="http://schemas.microsoft.com/office/powerpoint/2010/main" val="708322228"/>
+        <p14:creationId xmlns:p14="http://schemas.microsoft.com/office/powerpoint/2010/main" val="3645665613"/>
       </p:ext>
     </p:extLst>
   </p:cSld>
   <p:clrMapOvr>
     <a:masterClrMapping/>
   </p:clrMapOvr>
+  <mc:AlternateContent xmlns:mc="http://schemas.openxmlformats.org/markup-compatibility/2006">
+    <mc:Choice xmlns:p14="http://schemas.microsoft.com/office/powerpoint/2010/main" Requires="p14">
+      <p:transition spd="med" p14:dur="700">
+        <p:fade/>
+      </p:transition>
+    </mc:Choice>
+    <mc:Fallback>
+      <p:transition spd="med">
+        <p:fade/>
+      </p:transition>
+    </mc:Fallback>
+  </mc:AlternateContent>
+</p:sld>
+</file>
+
+<file path=ppt/slides/slide14.xml><?xml version="1.0" encoding="utf-8"?>
+<p:sld xmlns:a="http://schemas.openxmlformats.org/drawingml/2006/main" xmlns:r="http://schemas.openxmlformats.org/officeDocument/2006/relationships" xmlns:p="http://schemas.openxmlformats.org/presentationml/2006/main">
+  <p:cSld>
+    <p:spTree>
+      <p:nvGrpSpPr>
+        <p:cNvPr id="1" name=""/>
+        <p:cNvGrpSpPr/>
+        <p:nvPr/>
+      </p:nvGrpSpPr>
+      <p:grpSpPr>
+        <a:xfrm>
+          <a:off x="0" y="0"/>
+          <a:ext cx="0" cy="0"/>
+          <a:chOff x="0" y="0"/>
+          <a:chExt cx="0" cy="0"/>
+        </a:xfrm>
+      </p:grpSpPr>
+      <p:sp>
+        <p:nvSpPr>
+          <p:cNvPr id="2" name="Title 1">
+            <a:extLst>
+              <a:ext uri="{FF2B5EF4-FFF2-40B4-BE49-F238E27FC236}">
+                <a16:creationId xmlns:a16="http://schemas.microsoft.com/office/drawing/2014/main" id="{FE76E1CC-A729-4AB7-82F9-42EC58E60A40}"/>
+              </a:ext>
+            </a:extLst>
+          </p:cNvPr>
+          <p:cNvSpPr>
+            <a:spLocks noGrp="1"/>
+          </p:cNvSpPr>
+          <p:nvPr>
+            <p:ph type="title"/>
+          </p:nvPr>
+        </p:nvSpPr>
+        <p:spPr/>
+        <p:txBody>
+          <a:bodyPr/>
+          <a:lstStyle/>
+          <a:p>
+            <a:endParaRPr lang="en-GB"/>
+          </a:p>
+        </p:txBody>
+      </p:sp>
+      <p:pic>
+        <p:nvPicPr>
+          <p:cNvPr id="4" name="Picture 3" descr="Graphical user interface, application, Word&#10;&#10;Description automatically generated">
+            <a:extLst>
+              <a:ext uri="{FF2B5EF4-FFF2-40B4-BE49-F238E27FC236}">
+                <a16:creationId xmlns:a16="http://schemas.microsoft.com/office/drawing/2014/main" id="{CE239BCA-2F18-45E4-8D87-19DF8B9A2796}"/>
+              </a:ext>
+            </a:extLst>
+          </p:cNvPr>
+          <p:cNvPicPr>
+            <a:picLocks noChangeAspect="1"/>
+          </p:cNvPicPr>
+          <p:nvPr/>
+        </p:nvPicPr>
+        <p:blipFill>
+          <a:blip r:embed="rId2"/>
+          <a:stretch>
+            <a:fillRect/>
+          </a:stretch>
+        </p:blipFill>
+        <p:spPr>
+          <a:xfrm>
+            <a:off x="0" y="573832"/>
+            <a:ext cx="9144000" cy="4569668"/>
+          </a:xfrm>
+          <a:prstGeom prst="rect">
+            <a:avLst/>
+          </a:prstGeom>
+        </p:spPr>
+      </p:pic>
+    </p:spTree>
+    <p:extLst>
+      <p:ext uri="{BB962C8B-B14F-4D97-AF65-F5344CB8AC3E}">
+        <p14:creationId xmlns:p14="http://schemas.microsoft.com/office/powerpoint/2010/main" val="1306004134"/>
+      </p:ext>
+    </p:extLst>
+  </p:cSld>
+  <p:clrMapOvr>
+    <a:masterClrMapping/>
+  </p:clrMapOvr>
+  <mc:AlternateContent xmlns:mc="http://schemas.openxmlformats.org/markup-compatibility/2006">
+    <mc:Choice xmlns:p14="http://schemas.microsoft.com/office/powerpoint/2010/main" Requires="p14">
+      <p:transition spd="med" p14:dur="700">
+        <p:fade/>
+      </p:transition>
+    </mc:Choice>
+    <mc:Fallback>
+      <p:transition spd="med">
+        <p:fade/>
+      </p:transition>
+    </mc:Fallback>
+  </mc:AlternateContent>
+</p:sld>
+</file>
+
+<file path=ppt/slides/slide15.xml><?xml version="1.0" encoding="utf-8"?>
+<p:sld xmlns:a="http://schemas.openxmlformats.org/drawingml/2006/main" xmlns:r="http://schemas.openxmlformats.org/officeDocument/2006/relationships" xmlns:p="http://schemas.openxmlformats.org/presentationml/2006/main">
+  <p:cSld>
+    <p:spTree>
+      <p:nvGrpSpPr>
+        <p:cNvPr id="1" name=""/>
+        <p:cNvGrpSpPr/>
+        <p:nvPr/>
+      </p:nvGrpSpPr>
+      <p:grpSpPr>
+        <a:xfrm>
+          <a:off x="0" y="0"/>
+          <a:ext cx="0" cy="0"/>
+          <a:chOff x="0" y="0"/>
+          <a:chExt cx="0" cy="0"/>
+        </a:xfrm>
+      </p:grpSpPr>
+      <p:sp>
+        <p:nvSpPr>
+          <p:cNvPr id="2" name="Title 1">
+            <a:extLst>
+              <a:ext uri="{FF2B5EF4-FFF2-40B4-BE49-F238E27FC236}">
+                <a16:creationId xmlns:a16="http://schemas.microsoft.com/office/drawing/2014/main" id="{68BDE981-FD6A-4DFA-BE40-849645EBBFE1}"/>
+              </a:ext>
+            </a:extLst>
+          </p:cNvPr>
+          <p:cNvSpPr>
+            <a:spLocks noGrp="1"/>
+          </p:cNvSpPr>
+          <p:nvPr>
+            <p:ph type="title"/>
+          </p:nvPr>
+        </p:nvSpPr>
+        <p:spPr/>
+        <p:txBody>
+          <a:bodyPr/>
+          <a:lstStyle/>
+          <a:p>
+            <a:endParaRPr lang="en-GB"/>
+          </a:p>
+        </p:txBody>
+      </p:sp>
+      <p:pic>
+        <p:nvPicPr>
+          <p:cNvPr id="4" name="Picture 3" descr="Graphical user interface, application, Word&#10;&#10;Description automatically generated">
+            <a:extLst>
+              <a:ext uri="{FF2B5EF4-FFF2-40B4-BE49-F238E27FC236}">
+                <a16:creationId xmlns:a16="http://schemas.microsoft.com/office/drawing/2014/main" id="{E1BA3789-5A9C-4F7D-82B7-6876A667E391}"/>
+              </a:ext>
+            </a:extLst>
+          </p:cNvPr>
+          <p:cNvPicPr>
+            <a:picLocks noChangeAspect="1"/>
+          </p:cNvPicPr>
+          <p:nvPr/>
+        </p:nvPicPr>
+        <p:blipFill>
+          <a:blip r:embed="rId2"/>
+          <a:stretch>
+            <a:fillRect/>
+          </a:stretch>
+        </p:blipFill>
+        <p:spPr>
+          <a:xfrm>
+            <a:off x="0" y="573832"/>
+            <a:ext cx="9144000" cy="4569668"/>
+          </a:xfrm>
+          <a:prstGeom prst="rect">
+            <a:avLst/>
+          </a:prstGeom>
+        </p:spPr>
+      </p:pic>
+    </p:spTree>
+    <p:extLst>
+      <p:ext uri="{BB962C8B-B14F-4D97-AF65-F5344CB8AC3E}">
+        <p14:creationId xmlns:p14="http://schemas.microsoft.com/office/powerpoint/2010/main" val="1868447342"/>
+      </p:ext>
+    </p:extLst>
+  </p:cSld>
+  <p:clrMapOvr>
+    <a:masterClrMapping/>
+  </p:clrMapOvr>
+  <mc:AlternateContent xmlns:mc="http://schemas.openxmlformats.org/markup-compatibility/2006">
+    <mc:Choice xmlns:p14="http://schemas.microsoft.com/office/powerpoint/2010/main" Requires="p14">
+      <p:transition spd="med" p14:dur="700">
+        <p:fade/>
+      </p:transition>
+    </mc:Choice>
+    <mc:Fallback>
+      <p:transition spd="med">
+        <p:fade/>
+      </p:transition>
+    </mc:Fallback>
+  </mc:AlternateContent>
+</p:sld>
+</file>
+
+<file path=ppt/slides/slide16.xml><?xml version="1.0" encoding="utf-8"?>
+<p:sld xmlns:a="http://schemas.openxmlformats.org/drawingml/2006/main" xmlns:r="http://schemas.openxmlformats.org/officeDocument/2006/relationships" xmlns:p="http://schemas.openxmlformats.org/presentationml/2006/main">
+  <p:cSld>
+    <p:spTree>
+      <p:nvGrpSpPr>
+        <p:cNvPr id="1" name=""/>
+        <p:cNvGrpSpPr/>
+        <p:nvPr/>
+      </p:nvGrpSpPr>
+      <p:grpSpPr>
+        <a:xfrm>
+          <a:off x="0" y="0"/>
+          <a:ext cx="0" cy="0"/>
+          <a:chOff x="0" y="0"/>
+          <a:chExt cx="0" cy="0"/>
+        </a:xfrm>
+      </p:grpSpPr>
+      <p:sp>
+        <p:nvSpPr>
+          <p:cNvPr id="2" name="Title 1">
+            <a:extLst>
+              <a:ext uri="{FF2B5EF4-FFF2-40B4-BE49-F238E27FC236}">
+                <a16:creationId xmlns:a16="http://schemas.microsoft.com/office/drawing/2014/main" id="{884D47F4-4FC3-4B5E-9EFF-45799350E6E8}"/>
+              </a:ext>
+            </a:extLst>
+          </p:cNvPr>
+          <p:cNvSpPr>
+            <a:spLocks noGrp="1"/>
+          </p:cNvSpPr>
+          <p:nvPr>
+            <p:ph type="title"/>
+          </p:nvPr>
+        </p:nvSpPr>
+        <p:spPr/>
+        <p:txBody>
+          <a:bodyPr/>
+          <a:lstStyle/>
+          <a:p>
+            <a:endParaRPr lang="en-GB"/>
+          </a:p>
+        </p:txBody>
+      </p:sp>
+      <p:pic>
+        <p:nvPicPr>
+          <p:cNvPr id="4" name="Picture 3" descr="Graphical user interface, text, application, Word&#10;&#10;Description automatically generated">
+            <a:extLst>
+              <a:ext uri="{FF2B5EF4-FFF2-40B4-BE49-F238E27FC236}">
+                <a16:creationId xmlns:a16="http://schemas.microsoft.com/office/drawing/2014/main" id="{790F5593-B61A-4616-AFDD-E0B0DA15DC59}"/>
+              </a:ext>
+            </a:extLst>
+          </p:cNvPr>
+          <p:cNvPicPr>
+            <a:picLocks noChangeAspect="1"/>
+          </p:cNvPicPr>
+          <p:nvPr/>
+        </p:nvPicPr>
+        <p:blipFill>
+          <a:blip r:embed="rId2"/>
+          <a:stretch>
+            <a:fillRect/>
+          </a:stretch>
+        </p:blipFill>
+        <p:spPr>
+          <a:xfrm>
+            <a:off x="0" y="573832"/>
+            <a:ext cx="9144000" cy="4569668"/>
+          </a:xfrm>
+          <a:prstGeom prst="rect">
+            <a:avLst/>
+          </a:prstGeom>
+        </p:spPr>
+      </p:pic>
+    </p:spTree>
+    <p:extLst>
+      <p:ext uri="{BB962C8B-B14F-4D97-AF65-F5344CB8AC3E}">
+        <p14:creationId xmlns:p14="http://schemas.microsoft.com/office/powerpoint/2010/main" val="476976433"/>
+      </p:ext>
+    </p:extLst>
+  </p:cSld>
+  <p:clrMapOvr>
+    <a:masterClrMapping/>
+  </p:clrMapOvr>
+  <mc:AlternateContent xmlns:mc="http://schemas.openxmlformats.org/markup-compatibility/2006">
+    <mc:Choice xmlns:p14="http://schemas.microsoft.com/office/powerpoint/2010/main" Requires="p14">
+      <p:transition spd="med" p14:dur="700">
+        <p:fade/>
+      </p:transition>
+    </mc:Choice>
+    <mc:Fallback>
+      <p:transition spd="med">
+        <p:fade/>
+      </p:transition>
+    </mc:Fallback>
+  </mc:AlternateContent>
+</p:sld>
+</file>
+
+<file path=ppt/slides/slide17.xml><?xml version="1.0" encoding="utf-8"?>
+<p:sld xmlns:a="http://schemas.openxmlformats.org/drawingml/2006/main" xmlns:r="http://schemas.openxmlformats.org/officeDocument/2006/relationships" xmlns:p="http://schemas.openxmlformats.org/presentationml/2006/main">
+  <p:cSld>
+    <p:spTree>
+      <p:nvGrpSpPr>
+        <p:cNvPr id="1" name=""/>
+        <p:cNvGrpSpPr/>
+        <p:nvPr/>
+      </p:nvGrpSpPr>
+      <p:grpSpPr>
+        <a:xfrm>
+          <a:off x="0" y="0"/>
+          <a:ext cx="0" cy="0"/>
+          <a:chOff x="0" y="0"/>
+          <a:chExt cx="0" cy="0"/>
+        </a:xfrm>
+      </p:grpSpPr>
+      <p:sp>
+        <p:nvSpPr>
+          <p:cNvPr id="2" name="Title 1">
+            <a:extLst>
+              <a:ext uri="{FF2B5EF4-FFF2-40B4-BE49-F238E27FC236}">
+                <a16:creationId xmlns:a16="http://schemas.microsoft.com/office/drawing/2014/main" id="{3D24BCBA-0489-41B7-8331-FC6341700722}"/>
+              </a:ext>
+            </a:extLst>
+          </p:cNvPr>
+          <p:cNvSpPr>
+            <a:spLocks noGrp="1"/>
+          </p:cNvSpPr>
+          <p:nvPr>
+            <p:ph type="title"/>
+          </p:nvPr>
+        </p:nvSpPr>
+        <p:spPr/>
+        <p:txBody>
+          <a:bodyPr/>
+          <a:lstStyle/>
+          <a:p>
+            <a:endParaRPr lang="en-GB"/>
+          </a:p>
+        </p:txBody>
+      </p:sp>
+      <p:pic>
+        <p:nvPicPr>
+          <p:cNvPr id="4" name="Picture 3" descr="Graphical user interface, application, Word&#10;&#10;Description automatically generated">
+            <a:extLst>
+              <a:ext uri="{FF2B5EF4-FFF2-40B4-BE49-F238E27FC236}">
+                <a16:creationId xmlns:a16="http://schemas.microsoft.com/office/drawing/2014/main" id="{334D50CB-8F24-47AD-A44F-23FB8E7BFEDD}"/>
+              </a:ext>
+            </a:extLst>
+          </p:cNvPr>
+          <p:cNvPicPr>
+            <a:picLocks noChangeAspect="1"/>
+          </p:cNvPicPr>
+          <p:nvPr/>
+        </p:nvPicPr>
+        <p:blipFill>
+          <a:blip r:embed="rId2"/>
+          <a:stretch>
+            <a:fillRect/>
+          </a:stretch>
+        </p:blipFill>
+        <p:spPr>
+          <a:xfrm>
+            <a:off x="0" y="573832"/>
+            <a:ext cx="9144000" cy="4569668"/>
+          </a:xfrm>
+          <a:prstGeom prst="rect">
+            <a:avLst/>
+          </a:prstGeom>
+        </p:spPr>
+      </p:pic>
+    </p:spTree>
+    <p:extLst>
+      <p:ext uri="{BB962C8B-B14F-4D97-AF65-F5344CB8AC3E}">
+        <p14:creationId xmlns:p14="http://schemas.microsoft.com/office/powerpoint/2010/main" val="3739536469"/>
+      </p:ext>
+    </p:extLst>
+  </p:cSld>
+  <p:clrMapOvr>
+    <a:masterClrMapping/>
+  </p:clrMapOvr>
+  <mc:AlternateContent xmlns:mc="http://schemas.openxmlformats.org/markup-compatibility/2006">
+    <mc:Choice xmlns:p14="http://schemas.microsoft.com/office/powerpoint/2010/main" Requires="p14">
+      <p:transition spd="med" p14:dur="700">
+        <p:fade/>
+      </p:transition>
+    </mc:Choice>
+    <mc:Fallback>
+      <p:transition spd="med">
+        <p:fade/>
+      </p:transition>
+    </mc:Fallback>
+  </mc:AlternateContent>
+</p:sld>
+</file>
+
+<file path=ppt/slides/slide18.xml><?xml version="1.0" encoding="utf-8"?>
+<p:sld xmlns:a="http://schemas.openxmlformats.org/drawingml/2006/main" xmlns:r="http://schemas.openxmlformats.org/officeDocument/2006/relationships" xmlns:p="http://schemas.openxmlformats.org/presentationml/2006/main">
+  <p:cSld>
+    <p:spTree>
+      <p:nvGrpSpPr>
+        <p:cNvPr id="1" name=""/>
+        <p:cNvGrpSpPr/>
+        <p:nvPr/>
+      </p:nvGrpSpPr>
+      <p:grpSpPr>
+        <a:xfrm>
+          <a:off x="0" y="0"/>
+          <a:ext cx="0" cy="0"/>
+          <a:chOff x="0" y="0"/>
+          <a:chExt cx="0" cy="0"/>
+        </a:xfrm>
+      </p:grpSpPr>
+      <p:sp>
+        <p:nvSpPr>
+          <p:cNvPr id="2" name="Title 1">
+            <a:extLst>
+              <a:ext uri="{FF2B5EF4-FFF2-40B4-BE49-F238E27FC236}">
+                <a16:creationId xmlns:a16="http://schemas.microsoft.com/office/drawing/2014/main" id="{3A0DFC95-5005-449F-9BE3-89A62F3388E9}"/>
+              </a:ext>
+            </a:extLst>
+          </p:cNvPr>
+          <p:cNvSpPr>
+            <a:spLocks noGrp="1"/>
+          </p:cNvSpPr>
+          <p:nvPr>
+            <p:ph type="title"/>
+          </p:nvPr>
+        </p:nvSpPr>
+        <p:spPr/>
+        <p:txBody>
+          <a:bodyPr/>
+          <a:lstStyle/>
+          <a:p>
+            <a:endParaRPr lang="en-GB"/>
+          </a:p>
+        </p:txBody>
+      </p:sp>
+      <p:pic>
+        <p:nvPicPr>
+          <p:cNvPr id="4" name="Picture 3" descr="Graphical user interface, application, Word&#10;&#10;Description automatically generated">
+            <a:extLst>
+              <a:ext uri="{FF2B5EF4-FFF2-40B4-BE49-F238E27FC236}">
+                <a16:creationId xmlns:a16="http://schemas.microsoft.com/office/drawing/2014/main" id="{94553A82-3599-448F-AB24-E85BF291C2BC}"/>
+              </a:ext>
+            </a:extLst>
+          </p:cNvPr>
+          <p:cNvPicPr>
+            <a:picLocks noChangeAspect="1"/>
+          </p:cNvPicPr>
+          <p:nvPr/>
+        </p:nvPicPr>
+        <p:blipFill>
+          <a:blip r:embed="rId2"/>
+          <a:stretch>
+            <a:fillRect/>
+          </a:stretch>
+        </p:blipFill>
+        <p:spPr>
+          <a:xfrm>
+            <a:off x="0" y="573832"/>
+            <a:ext cx="9144000" cy="4569668"/>
+          </a:xfrm>
+          <a:prstGeom prst="rect">
+            <a:avLst/>
+          </a:prstGeom>
+        </p:spPr>
+      </p:pic>
+    </p:spTree>
+    <p:extLst>
+      <p:ext uri="{BB962C8B-B14F-4D97-AF65-F5344CB8AC3E}">
+        <p14:creationId xmlns:p14="http://schemas.microsoft.com/office/powerpoint/2010/main" val="3695466713"/>
+      </p:ext>
+    </p:extLst>
+  </p:cSld>
+  <p:clrMapOvr>
+    <a:masterClrMapping/>
+  </p:clrMapOvr>
+  <mc:AlternateContent xmlns:mc="http://schemas.openxmlformats.org/markup-compatibility/2006">
+    <mc:Choice xmlns:p14="http://schemas.microsoft.com/office/powerpoint/2010/main" Requires="p14">
+      <p:transition spd="med" p14:dur="700">
+        <p:fade/>
+      </p:transition>
+    </mc:Choice>
+    <mc:Fallback>
+      <p:transition spd="med">
+        <p:fade/>
+      </p:transition>
+    </mc:Fallback>
+  </mc:AlternateContent>
+</p:sld>
+</file>
+
+<file path=ppt/slides/slide19.xml><?xml version="1.0" encoding="utf-8"?>
+<p:sld xmlns:a="http://schemas.openxmlformats.org/drawingml/2006/main" xmlns:r="http://schemas.openxmlformats.org/officeDocument/2006/relationships" xmlns:p="http://schemas.openxmlformats.org/presentationml/2006/main">
+  <p:cSld>
+    <p:spTree>
+      <p:nvGrpSpPr>
+        <p:cNvPr id="1" name=""/>
+        <p:cNvGrpSpPr/>
+        <p:nvPr/>
+      </p:nvGrpSpPr>
+      <p:grpSpPr>
+        <a:xfrm>
+          <a:off x="0" y="0"/>
+          <a:ext cx="0" cy="0"/>
+          <a:chOff x="0" y="0"/>
+          <a:chExt cx="0" cy="0"/>
+        </a:xfrm>
+      </p:grpSpPr>
+      <p:sp>
+        <p:nvSpPr>
+          <p:cNvPr id="2" name="Title 1">
+            <a:extLst>
+              <a:ext uri="{FF2B5EF4-FFF2-40B4-BE49-F238E27FC236}">
+                <a16:creationId xmlns:a16="http://schemas.microsoft.com/office/drawing/2014/main" id="{9D24A09D-C4F4-4403-A82D-B9C135F5EDEE}"/>
+              </a:ext>
+            </a:extLst>
+          </p:cNvPr>
+          <p:cNvSpPr>
+            <a:spLocks noGrp="1"/>
+          </p:cNvSpPr>
+          <p:nvPr>
+            <p:ph type="title"/>
+          </p:nvPr>
+        </p:nvSpPr>
+        <p:spPr/>
+        <p:txBody>
+          <a:bodyPr/>
+          <a:lstStyle/>
+          <a:p>
+            <a:endParaRPr lang="en-GB"/>
+          </a:p>
+        </p:txBody>
+      </p:sp>
+      <p:pic>
+        <p:nvPicPr>
+          <p:cNvPr id="4" name="Picture 3" descr="Graphical user interface, application, Word&#10;&#10;Description automatically generated">
+            <a:extLst>
+              <a:ext uri="{FF2B5EF4-FFF2-40B4-BE49-F238E27FC236}">
+                <a16:creationId xmlns:a16="http://schemas.microsoft.com/office/drawing/2014/main" id="{F841DA34-10BC-40A4-A69E-07407972DCFC}"/>
+              </a:ext>
+            </a:extLst>
+          </p:cNvPr>
+          <p:cNvPicPr>
+            <a:picLocks noChangeAspect="1"/>
+          </p:cNvPicPr>
+          <p:nvPr/>
+        </p:nvPicPr>
+        <p:blipFill>
+          <a:blip r:embed="rId2"/>
+          <a:stretch>
+            <a:fillRect/>
+          </a:stretch>
+        </p:blipFill>
+        <p:spPr>
+          <a:xfrm>
+            <a:off x="0" y="573832"/>
+            <a:ext cx="9144000" cy="4569668"/>
+          </a:xfrm>
+          <a:prstGeom prst="rect">
+            <a:avLst/>
+          </a:prstGeom>
+        </p:spPr>
+      </p:pic>
+    </p:spTree>
+    <p:extLst>
+      <p:ext uri="{BB962C8B-B14F-4D97-AF65-F5344CB8AC3E}">
+        <p14:creationId xmlns:p14="http://schemas.microsoft.com/office/powerpoint/2010/main" val="3218206797"/>
+      </p:ext>
+    </p:extLst>
+  </p:cSld>
+  <p:clrMapOvr>
+    <a:masterClrMapping/>
+  </p:clrMapOvr>
+  <mc:AlternateContent xmlns:mc="http://schemas.openxmlformats.org/markup-compatibility/2006">
+    <mc:Choice xmlns:p14="http://schemas.microsoft.com/office/powerpoint/2010/main" Requires="p14">
+      <p:transition spd="med" p14:dur="700">
+        <p:fade/>
+      </p:transition>
+    </mc:Choice>
+    <mc:Fallback>
+      <p:transition spd="med">
+        <p:fade/>
+      </p:transition>
+    </mc:Fallback>
+  </mc:AlternateContent>
 </p:sld>
 </file>
 
@@ -3419,12 +3960,37 @@
           <a:chExt cx="0" cy="0"/>
         </a:xfrm>
       </p:grpSpPr>
+      <p:sp>
+        <p:nvSpPr>
+          <p:cNvPr id="2" name="Title 1">
+            <a:extLst>
+              <a:ext uri="{FF2B5EF4-FFF2-40B4-BE49-F238E27FC236}">
+                <a16:creationId xmlns:a16="http://schemas.microsoft.com/office/drawing/2014/main" id="{EBADAFC0-6059-4947-93C6-AAF58DFE030B}"/>
+              </a:ext>
+            </a:extLst>
+          </p:cNvPr>
+          <p:cNvSpPr>
+            <a:spLocks noGrp="1"/>
+          </p:cNvSpPr>
+          <p:nvPr>
+            <p:ph type="title"/>
+          </p:nvPr>
+        </p:nvSpPr>
+        <p:spPr/>
+        <p:txBody>
+          <a:bodyPr/>
+          <a:lstStyle/>
+          <a:p>
+            <a:endParaRPr lang="en-GB"/>
+          </a:p>
+        </p:txBody>
+      </p:sp>
       <p:pic>
         <p:nvPicPr>
-          <p:cNvPr id="3" name="Picture 2">
+          <p:cNvPr id="4" name="Picture 3" descr="Shape&#10;&#10;Description automatically generated">
             <a:extLst>
               <a:ext uri="{FF2B5EF4-FFF2-40B4-BE49-F238E27FC236}">
-                <a16:creationId xmlns:a16="http://schemas.microsoft.com/office/drawing/2014/main" id="{69F9D50D-4F9B-4EF2-BB1D-7099F3254794}"/>
+                <a16:creationId xmlns:a16="http://schemas.microsoft.com/office/drawing/2014/main" id="{9098A82C-0230-4E0C-A5FD-BCFADE47E278}"/>
               </a:ext>
             </a:extLst>
           </p:cNvPr>
@@ -3441,8 +4007,8 @@
         </p:blipFill>
         <p:spPr>
           <a:xfrm>
-            <a:off x="0" y="573771"/>
-            <a:ext cx="9144000" cy="4569729"/>
+            <a:off x="0" y="470771"/>
+            <a:ext cx="9144000" cy="4672729"/>
           </a:xfrm>
           <a:prstGeom prst="rect">
             <a:avLst/>
@@ -3452,20 +4018,117 @@
     </p:spTree>
     <p:extLst>
       <p:ext uri="{BB962C8B-B14F-4D97-AF65-F5344CB8AC3E}">
-        <p14:creationId xmlns:p14="http://schemas.microsoft.com/office/powerpoint/2010/main" val="1847734252"/>
+        <p14:creationId xmlns:p14="http://schemas.microsoft.com/office/powerpoint/2010/main" val="858961666"/>
       </p:ext>
     </p:extLst>
   </p:cSld>
   <p:clrMapOvr>
     <a:masterClrMapping/>
   </p:clrMapOvr>
-  <mc:AlternateContent xmlns:mc="http://schemas.openxmlformats.org/markup-compatibility/2006" xmlns:p14="http://schemas.microsoft.com/office/powerpoint/2010/main">
-    <mc:Choice Requires="p14">
+  <mc:AlternateContent xmlns:mc="http://schemas.openxmlformats.org/markup-compatibility/2006">
+    <mc:Choice xmlns:p14="http://schemas.microsoft.com/office/powerpoint/2010/main" Requires="p14">
       <p:transition spd="med" p14:dur="700">
         <p:fade/>
       </p:transition>
     </mc:Choice>
-    <mc:Fallback xmlns="">
+    <mc:Fallback>
+      <p:transition spd="med">
+        <p:fade/>
+      </p:transition>
+    </mc:Fallback>
+  </mc:AlternateContent>
+</p:sld>
+</file>
+
+<file path=ppt/slides/slide20.xml><?xml version="1.0" encoding="utf-8"?>
+<p:sld xmlns:a="http://schemas.openxmlformats.org/drawingml/2006/main" xmlns:r="http://schemas.openxmlformats.org/officeDocument/2006/relationships" xmlns:p="http://schemas.openxmlformats.org/presentationml/2006/main">
+  <p:cSld>
+    <p:spTree>
+      <p:nvGrpSpPr>
+        <p:cNvPr id="1" name=""/>
+        <p:cNvGrpSpPr/>
+        <p:nvPr/>
+      </p:nvGrpSpPr>
+      <p:grpSpPr>
+        <a:xfrm>
+          <a:off x="0" y="0"/>
+          <a:ext cx="0" cy="0"/>
+          <a:chOff x="0" y="0"/>
+          <a:chExt cx="0" cy="0"/>
+        </a:xfrm>
+      </p:grpSpPr>
+      <p:sp>
+        <p:nvSpPr>
+          <p:cNvPr id="2" name="Title 1">
+            <a:extLst>
+              <a:ext uri="{FF2B5EF4-FFF2-40B4-BE49-F238E27FC236}">
+                <a16:creationId xmlns:a16="http://schemas.microsoft.com/office/drawing/2014/main" id="{B46C05BF-F606-4E37-94A9-EFD4240C3548}"/>
+              </a:ext>
+            </a:extLst>
+          </p:cNvPr>
+          <p:cNvSpPr>
+            <a:spLocks noGrp="1"/>
+          </p:cNvSpPr>
+          <p:nvPr>
+            <p:ph type="title"/>
+          </p:nvPr>
+        </p:nvSpPr>
+        <p:spPr/>
+        <p:txBody>
+          <a:bodyPr/>
+          <a:lstStyle/>
+          <a:p>
+            <a:endParaRPr lang="en-GB"/>
+          </a:p>
+        </p:txBody>
+      </p:sp>
+      <p:pic>
+        <p:nvPicPr>
+          <p:cNvPr id="4" name="Picture 3" descr="Graphical user interface, application, Word&#10;&#10;Description automatically generated">
+            <a:extLst>
+              <a:ext uri="{FF2B5EF4-FFF2-40B4-BE49-F238E27FC236}">
+                <a16:creationId xmlns:a16="http://schemas.microsoft.com/office/drawing/2014/main" id="{B1A48B0E-9E3D-490C-BA3D-90AB268E571B}"/>
+              </a:ext>
+            </a:extLst>
+          </p:cNvPr>
+          <p:cNvPicPr>
+            <a:picLocks noChangeAspect="1"/>
+          </p:cNvPicPr>
+          <p:nvPr/>
+        </p:nvPicPr>
+        <p:blipFill>
+          <a:blip r:embed="rId2"/>
+          <a:stretch>
+            <a:fillRect/>
+          </a:stretch>
+        </p:blipFill>
+        <p:spPr>
+          <a:xfrm>
+            <a:off x="0" y="573832"/>
+            <a:ext cx="9144000" cy="4569668"/>
+          </a:xfrm>
+          <a:prstGeom prst="rect">
+            <a:avLst/>
+          </a:prstGeom>
+        </p:spPr>
+      </p:pic>
+    </p:spTree>
+    <p:extLst>
+      <p:ext uri="{BB962C8B-B14F-4D97-AF65-F5344CB8AC3E}">
+        <p14:creationId xmlns:p14="http://schemas.microsoft.com/office/powerpoint/2010/main" val="4200291654"/>
+      </p:ext>
+    </p:extLst>
+  </p:cSld>
+  <p:clrMapOvr>
+    <a:masterClrMapping/>
+  </p:clrMapOvr>
+  <mc:AlternateContent xmlns:mc="http://schemas.openxmlformats.org/markup-compatibility/2006">
+    <mc:Choice xmlns:p14="http://schemas.microsoft.com/office/powerpoint/2010/main" Requires="p14">
+      <p:transition spd="med" p14:dur="700">
+        <p:fade/>
+      </p:transition>
+    </mc:Choice>
+    <mc:Fallback>
       <p:transition spd="med">
         <p:fade/>
       </p:transition>
@@ -3491,12 +4154,37 @@
           <a:chExt cx="0" cy="0"/>
         </a:xfrm>
       </p:grpSpPr>
+      <p:sp>
+        <p:nvSpPr>
+          <p:cNvPr id="3" name="Text Placeholder 2">
+            <a:extLst>
+              <a:ext uri="{FF2B5EF4-FFF2-40B4-BE49-F238E27FC236}">
+                <a16:creationId xmlns:a16="http://schemas.microsoft.com/office/drawing/2014/main" id="{4E17227B-C4F0-4E8F-A9A1-4FC1479C2089}"/>
+              </a:ext>
+            </a:extLst>
+          </p:cNvPr>
+          <p:cNvSpPr>
+            <a:spLocks noGrp="1"/>
+          </p:cNvSpPr>
+          <p:nvPr>
+            <p:ph type="body" idx="1"/>
+          </p:nvPr>
+        </p:nvSpPr>
+        <p:spPr/>
+        <p:txBody>
+          <a:bodyPr/>
+          <a:lstStyle/>
+          <a:p>
+            <a:endParaRPr lang="en-GB"/>
+          </a:p>
+        </p:txBody>
+      </p:sp>
       <p:pic>
         <p:nvPicPr>
-          <p:cNvPr id="3" name="Picture 2">
+          <p:cNvPr id="5" name="Picture 4" descr="Text&#10;&#10;Description automatically generated">
             <a:extLst>
               <a:ext uri="{FF2B5EF4-FFF2-40B4-BE49-F238E27FC236}">
-                <a16:creationId xmlns:a16="http://schemas.microsoft.com/office/drawing/2014/main" id="{CD792F31-E6B2-428D-9F59-ECA251C607C8}"/>
+                <a16:creationId xmlns:a16="http://schemas.microsoft.com/office/drawing/2014/main" id="{2C0E2F16-C929-4799-B964-3B6A5E8CA596}"/>
               </a:ext>
             </a:extLst>
           </p:cNvPr>
@@ -3513,8 +4201,8 @@
         </p:blipFill>
         <p:spPr>
           <a:xfrm>
-            <a:off x="0" y="573771"/>
-            <a:ext cx="9144000" cy="4569729"/>
+            <a:off x="0" y="470771"/>
+            <a:ext cx="9144000" cy="4672729"/>
           </a:xfrm>
           <a:prstGeom prst="rect">
             <a:avLst/>
@@ -3524,13 +4212,25 @@
     </p:spTree>
     <p:extLst>
       <p:ext uri="{BB962C8B-B14F-4D97-AF65-F5344CB8AC3E}">
-        <p14:creationId xmlns:p14="http://schemas.microsoft.com/office/powerpoint/2010/main" val="1345653807"/>
+        <p14:creationId xmlns:p14="http://schemas.microsoft.com/office/powerpoint/2010/main" val="3913880302"/>
       </p:ext>
     </p:extLst>
   </p:cSld>
   <p:clrMapOvr>
     <a:masterClrMapping/>
   </p:clrMapOvr>
+  <mc:AlternateContent xmlns:mc="http://schemas.openxmlformats.org/markup-compatibility/2006">
+    <mc:Choice xmlns:p14="http://schemas.microsoft.com/office/powerpoint/2010/main" Requires="p14">
+      <p:transition spd="med" p14:dur="700">
+        <p:fade/>
+      </p:transition>
+    </mc:Choice>
+    <mc:Fallback>
+      <p:transition spd="med">
+        <p:fade/>
+      </p:transition>
+    </mc:Fallback>
+  </mc:AlternateContent>
 </p:sld>
 </file>
 
@@ -3551,12 +4251,37 @@
           <a:chExt cx="0" cy="0"/>
         </a:xfrm>
       </p:grpSpPr>
+      <p:sp>
+        <p:nvSpPr>
+          <p:cNvPr id="2" name="Title 1">
+            <a:extLst>
+              <a:ext uri="{FF2B5EF4-FFF2-40B4-BE49-F238E27FC236}">
+                <a16:creationId xmlns:a16="http://schemas.microsoft.com/office/drawing/2014/main" id="{9EBD0058-C99A-4CEA-A996-29ED8F4D5FBF}"/>
+              </a:ext>
+            </a:extLst>
+          </p:cNvPr>
+          <p:cNvSpPr>
+            <a:spLocks noGrp="1"/>
+          </p:cNvSpPr>
+          <p:nvPr>
+            <p:ph type="title"/>
+          </p:nvPr>
+        </p:nvSpPr>
+        <p:spPr/>
+        <p:txBody>
+          <a:bodyPr/>
+          <a:lstStyle/>
+          <a:p>
+            <a:endParaRPr lang="en-GB"/>
+          </a:p>
+        </p:txBody>
+      </p:sp>
       <p:pic>
         <p:nvPicPr>
-          <p:cNvPr id="3" name="Picture 2">
+          <p:cNvPr id="4" name="Picture 3" descr="Shape, rectangle&#10;&#10;Description automatically generated">
             <a:extLst>
               <a:ext uri="{FF2B5EF4-FFF2-40B4-BE49-F238E27FC236}">
-                <a16:creationId xmlns:a16="http://schemas.microsoft.com/office/drawing/2014/main" id="{6B8A8CFF-7820-4CAB-8FA6-6EDC3A63A1F0}"/>
+                <a16:creationId xmlns:a16="http://schemas.microsoft.com/office/drawing/2014/main" id="{56F1874B-652B-41AE-8B77-362711C8AD7D}"/>
               </a:ext>
             </a:extLst>
           </p:cNvPr>
@@ -3573,8 +4298,8 @@
         </p:blipFill>
         <p:spPr>
           <a:xfrm>
-            <a:off x="0" y="573771"/>
-            <a:ext cx="9144000" cy="4569729"/>
+            <a:off x="0" y="235385"/>
+            <a:ext cx="9144000" cy="4672729"/>
           </a:xfrm>
           <a:prstGeom prst="rect">
             <a:avLst/>
@@ -3584,7 +4309,7 @@
     </p:spTree>
     <p:extLst>
       <p:ext uri="{BB962C8B-B14F-4D97-AF65-F5344CB8AC3E}">
-        <p14:creationId xmlns:p14="http://schemas.microsoft.com/office/powerpoint/2010/main" val="3539242451"/>
+        <p14:creationId xmlns:p14="http://schemas.microsoft.com/office/powerpoint/2010/main" val="139920910"/>
       </p:ext>
     </p:extLst>
   </p:cSld>
@@ -3611,12 +4336,37 @@
           <a:chExt cx="0" cy="0"/>
         </a:xfrm>
       </p:grpSpPr>
+      <p:sp>
+        <p:nvSpPr>
+          <p:cNvPr id="2" name="Title 1">
+            <a:extLst>
+              <a:ext uri="{FF2B5EF4-FFF2-40B4-BE49-F238E27FC236}">
+                <a16:creationId xmlns:a16="http://schemas.microsoft.com/office/drawing/2014/main" id="{1254DFCA-2935-4217-99D9-2863234F5C19}"/>
+              </a:ext>
+            </a:extLst>
+          </p:cNvPr>
+          <p:cNvSpPr>
+            <a:spLocks noGrp="1"/>
+          </p:cNvSpPr>
+          <p:nvPr>
+            <p:ph type="title"/>
+          </p:nvPr>
+        </p:nvSpPr>
+        <p:spPr/>
+        <p:txBody>
+          <a:bodyPr/>
+          <a:lstStyle/>
+          <a:p>
+            <a:endParaRPr lang="en-GB"/>
+          </a:p>
+        </p:txBody>
+      </p:sp>
       <p:pic>
         <p:nvPicPr>
-          <p:cNvPr id="5" name="Picture 4">
+          <p:cNvPr id="4" name="Picture 3" descr="Text&#10;&#10;Description automatically generated">
             <a:extLst>
               <a:ext uri="{FF2B5EF4-FFF2-40B4-BE49-F238E27FC236}">
-                <a16:creationId xmlns:a16="http://schemas.microsoft.com/office/drawing/2014/main" id="{4AD2EF65-55EE-404F-81AA-D07694E1FA44}"/>
+                <a16:creationId xmlns:a16="http://schemas.microsoft.com/office/drawing/2014/main" id="{4A392A9D-C66C-45AB-BF7C-8E66D50955B8}"/>
               </a:ext>
             </a:extLst>
           </p:cNvPr>
@@ -3633,149 +4383,24 @@
         </p:blipFill>
         <p:spPr>
           <a:xfrm>
-            <a:off x="0" y="573771"/>
-            <a:ext cx="9144000" cy="4569729"/>
+            <a:off x="0" y="235385"/>
+            <a:ext cx="9144000" cy="4672729"/>
           </a:xfrm>
           <a:prstGeom prst="rect">
             <a:avLst/>
           </a:prstGeom>
         </p:spPr>
       </p:pic>
-      <p:sp>
-        <p:nvSpPr>
-          <p:cNvPr id="6" name="Rectangle 5">
-            <a:extLst>
-              <a:ext uri="{FF2B5EF4-FFF2-40B4-BE49-F238E27FC236}">
-                <a16:creationId xmlns:a16="http://schemas.microsoft.com/office/drawing/2014/main" id="{3CA862B8-4A1B-422D-AF05-AE6157151156}"/>
-              </a:ext>
-            </a:extLst>
-          </p:cNvPr>
-          <p:cNvSpPr/>
-          <p:nvPr/>
-        </p:nvSpPr>
-        <p:spPr>
-          <a:xfrm>
-            <a:off x="6223379" y="3703093"/>
-            <a:ext cx="1360227" cy="309349"/>
-          </a:xfrm>
-          <a:prstGeom prst="rect">
-            <a:avLst/>
-          </a:prstGeom>
-          <a:noFill/>
-        </p:spPr>
-        <p:style>
-          <a:lnRef idx="2">
-            <a:schemeClr val="accent1">
-              <a:shade val="50000"/>
-            </a:schemeClr>
-          </a:lnRef>
-          <a:fillRef idx="1">
-            <a:schemeClr val="accent1"/>
-          </a:fillRef>
-          <a:effectRef idx="0">
-            <a:schemeClr val="accent1"/>
-          </a:effectRef>
-          <a:fontRef idx="minor">
-            <a:schemeClr val="lt1"/>
-          </a:fontRef>
-        </p:style>
-        <p:txBody>
-          <a:bodyPr rtlCol="0" anchor="ctr"/>
-          <a:lstStyle/>
-          <a:p>
-            <a:pPr algn="ctr"/>
-            <a:endParaRPr lang="en-GB"/>
-          </a:p>
-        </p:txBody>
-      </p:sp>
     </p:spTree>
     <p:extLst>
       <p:ext uri="{BB962C8B-B14F-4D97-AF65-F5344CB8AC3E}">
-        <p14:creationId xmlns:p14="http://schemas.microsoft.com/office/powerpoint/2010/main" val="2709436602"/>
+        <p14:creationId xmlns:p14="http://schemas.microsoft.com/office/powerpoint/2010/main" val="2050639945"/>
       </p:ext>
     </p:extLst>
   </p:cSld>
   <p:clrMapOvr>
     <a:masterClrMapping/>
   </p:clrMapOvr>
-  <p:timing>
-    <p:tnLst>
-      <p:par>
-        <p:cTn id="1" dur="indefinite" restart="never" nodeType="tmRoot">
-          <p:childTnLst>
-            <p:seq concurrent="1" nextAc="seek">
-              <p:cTn id="2" dur="indefinite" nodeType="mainSeq">
-                <p:childTnLst>
-                  <p:par>
-                    <p:cTn id="3" fill="hold">
-                      <p:stCondLst>
-                        <p:cond delay="indefinite"/>
-                      </p:stCondLst>
-                      <p:childTnLst>
-                        <p:par>
-                          <p:cTn id="4" fill="hold">
-                            <p:stCondLst>
-                              <p:cond delay="0"/>
-                            </p:stCondLst>
-                            <p:childTnLst>
-                              <p:par>
-                                <p:cTn id="5" presetID="1" presetClass="entr" presetSubtype="0" fill="hold" grpId="0" nodeType="clickEffect">
-                                  <p:stCondLst>
-                                    <p:cond delay="0"/>
-                                  </p:stCondLst>
-                                  <p:childTnLst>
-                                    <p:set>
-                                      <p:cBhvr>
-                                        <p:cTn id="6" dur="1" fill="hold">
-                                          <p:stCondLst>
-                                            <p:cond delay="0"/>
-                                          </p:stCondLst>
-                                        </p:cTn>
-                                        <p:tgtEl>
-                                          <p:spTgt spid="6"/>
-                                        </p:tgtEl>
-                                        <p:attrNameLst>
-                                          <p:attrName>style.visibility</p:attrName>
-                                        </p:attrNameLst>
-                                      </p:cBhvr>
-                                      <p:to>
-                                        <p:strVal val="visible"/>
-                                      </p:to>
-                                    </p:set>
-                                  </p:childTnLst>
-                                </p:cTn>
-                              </p:par>
-                            </p:childTnLst>
-                          </p:cTn>
-                        </p:par>
-                      </p:childTnLst>
-                    </p:cTn>
-                  </p:par>
-                </p:childTnLst>
-              </p:cTn>
-              <p:prevCondLst>
-                <p:cond evt="onPrev" delay="0">
-                  <p:tgtEl>
-                    <p:sldTgt/>
-                  </p:tgtEl>
-                </p:cond>
-              </p:prevCondLst>
-              <p:nextCondLst>
-                <p:cond evt="onNext" delay="0">
-                  <p:tgtEl>
-                    <p:sldTgt/>
-                  </p:tgtEl>
-                </p:cond>
-              </p:nextCondLst>
-            </p:seq>
-          </p:childTnLst>
-        </p:cTn>
-      </p:par>
-    </p:tnLst>
-    <p:bldLst>
-      <p:bldP spid="6" grpId="0" animBg="1"/>
-    </p:bldLst>
-  </p:timing>
 </p:sld>
 </file>
 
@@ -3796,12 +4421,37 @@
           <a:chExt cx="0" cy="0"/>
         </a:xfrm>
       </p:grpSpPr>
+      <p:sp>
+        <p:nvSpPr>
+          <p:cNvPr id="2" name="Title 1">
+            <a:extLst>
+              <a:ext uri="{FF2B5EF4-FFF2-40B4-BE49-F238E27FC236}">
+                <a16:creationId xmlns:a16="http://schemas.microsoft.com/office/drawing/2014/main" id="{BEBF974A-BD83-40A7-B3A1-A866EDC45259}"/>
+              </a:ext>
+            </a:extLst>
+          </p:cNvPr>
+          <p:cNvSpPr>
+            <a:spLocks noGrp="1"/>
+          </p:cNvSpPr>
+          <p:nvPr>
+            <p:ph type="title"/>
+          </p:nvPr>
+        </p:nvSpPr>
+        <p:spPr/>
+        <p:txBody>
+          <a:bodyPr/>
+          <a:lstStyle/>
+          <a:p>
+            <a:endParaRPr lang="en-GB"/>
+          </a:p>
+        </p:txBody>
+      </p:sp>
       <p:pic>
         <p:nvPicPr>
-          <p:cNvPr id="3" name="Picture 2" descr="Graphical user interface, text, application&#10;&#10;Description automatically generated">
+          <p:cNvPr id="6" name="Picture 5" descr="Text&#10;&#10;Description automatically generated">
             <a:extLst>
               <a:ext uri="{FF2B5EF4-FFF2-40B4-BE49-F238E27FC236}">
-                <a16:creationId xmlns:a16="http://schemas.microsoft.com/office/drawing/2014/main" id="{EFCA74A9-59B8-4E2F-9618-43A0FF22E7E0}"/>
+                <a16:creationId xmlns:a16="http://schemas.microsoft.com/office/drawing/2014/main" id="{36DDCA2B-A8B3-4718-893E-71DD95C598B1}"/>
               </a:ext>
             </a:extLst>
           </p:cNvPr>
@@ -3818,8 +4468,8 @@
         </p:blipFill>
         <p:spPr>
           <a:xfrm>
-            <a:off x="0" y="566960"/>
-            <a:ext cx="9144000" cy="4576540"/>
+            <a:off x="0" y="470771"/>
+            <a:ext cx="9144000" cy="4672729"/>
           </a:xfrm>
           <a:prstGeom prst="rect">
             <a:avLst/>
@@ -3829,13 +4479,25 @@
     </p:spTree>
     <p:extLst>
       <p:ext uri="{BB962C8B-B14F-4D97-AF65-F5344CB8AC3E}">
-        <p14:creationId xmlns:p14="http://schemas.microsoft.com/office/powerpoint/2010/main" val="4265640925"/>
+        <p14:creationId xmlns:p14="http://schemas.microsoft.com/office/powerpoint/2010/main" val="2807123227"/>
       </p:ext>
     </p:extLst>
   </p:cSld>
   <p:clrMapOvr>
     <a:masterClrMapping/>
   </p:clrMapOvr>
+  <mc:AlternateContent xmlns:mc="http://schemas.openxmlformats.org/markup-compatibility/2006">
+    <mc:Choice xmlns:p14="http://schemas.microsoft.com/office/powerpoint/2010/main" Requires="p14">
+      <p:transition spd="med" p14:dur="700">
+        <p:fade/>
+      </p:transition>
+    </mc:Choice>
+    <mc:Fallback>
+      <p:transition spd="med">
+        <p:fade/>
+      </p:transition>
+    </mc:Fallback>
+  </mc:AlternateContent>
 </p:sld>
 </file>
 
@@ -3856,12 +4518,37 @@
           <a:chExt cx="0" cy="0"/>
         </a:xfrm>
       </p:grpSpPr>
+      <p:sp>
+        <p:nvSpPr>
+          <p:cNvPr id="2" name="Title 1">
+            <a:extLst>
+              <a:ext uri="{FF2B5EF4-FFF2-40B4-BE49-F238E27FC236}">
+                <a16:creationId xmlns:a16="http://schemas.microsoft.com/office/drawing/2014/main" id="{AA001989-C66B-43E2-B7ED-AB63C3C09188}"/>
+              </a:ext>
+            </a:extLst>
+          </p:cNvPr>
+          <p:cNvSpPr>
+            <a:spLocks noGrp="1"/>
+          </p:cNvSpPr>
+          <p:nvPr>
+            <p:ph type="title"/>
+          </p:nvPr>
+        </p:nvSpPr>
+        <p:spPr/>
+        <p:txBody>
+          <a:bodyPr/>
+          <a:lstStyle/>
+          <a:p>
+            <a:endParaRPr lang="en-GB"/>
+          </a:p>
+        </p:txBody>
+      </p:sp>
       <p:pic>
         <p:nvPicPr>
-          <p:cNvPr id="5" name="Picture 4" descr="Graphical user interface, text, application&#10;&#10;Description automatically generated">
+          <p:cNvPr id="4" name="Picture 3" descr="Text&#10;&#10;Description automatically generated">
             <a:extLst>
               <a:ext uri="{FF2B5EF4-FFF2-40B4-BE49-F238E27FC236}">
-                <a16:creationId xmlns:a16="http://schemas.microsoft.com/office/drawing/2014/main" id="{E32F4FE2-0714-49F3-B111-5F3FA3B3EA4B}"/>
+                <a16:creationId xmlns:a16="http://schemas.microsoft.com/office/drawing/2014/main" id="{43E39EE2-4961-45ED-89CB-923475D653AB}"/>
               </a:ext>
             </a:extLst>
           </p:cNvPr>
@@ -3878,154 +4565,36 @@
         </p:blipFill>
         <p:spPr>
           <a:xfrm>
-            <a:off x="0" y="566960"/>
-            <a:ext cx="9144000" cy="4576540"/>
+            <a:off x="0" y="470771"/>
+            <a:ext cx="9144000" cy="4672729"/>
           </a:xfrm>
           <a:prstGeom prst="rect">
             <a:avLst/>
           </a:prstGeom>
         </p:spPr>
       </p:pic>
-      <p:sp>
-        <p:nvSpPr>
-          <p:cNvPr id="6" name="Rectangle 5">
-            <a:extLst>
-              <a:ext uri="{FF2B5EF4-FFF2-40B4-BE49-F238E27FC236}">
-                <a16:creationId xmlns:a16="http://schemas.microsoft.com/office/drawing/2014/main" id="{8489358C-D112-4F99-8F94-F6F8F4AE09E9}"/>
-              </a:ext>
-            </a:extLst>
-          </p:cNvPr>
-          <p:cNvSpPr/>
-          <p:nvPr/>
-        </p:nvSpPr>
-        <p:spPr>
-          <a:xfrm>
-            <a:off x="2270078" y="1669576"/>
-            <a:ext cx="577755" cy="163773"/>
-          </a:xfrm>
-          <a:prstGeom prst="rect">
-            <a:avLst/>
-          </a:prstGeom>
-          <a:noFill/>
-          <a:ln w="12700">
-            <a:solidFill>
-              <a:srgbClr val="C00000"/>
-            </a:solidFill>
-          </a:ln>
-        </p:spPr>
-        <p:style>
-          <a:lnRef idx="2">
-            <a:schemeClr val="accent1">
-              <a:shade val="50000"/>
-            </a:schemeClr>
-          </a:lnRef>
-          <a:fillRef idx="1">
-            <a:schemeClr val="accent1"/>
-          </a:fillRef>
-          <a:effectRef idx="0">
-            <a:schemeClr val="accent1"/>
-          </a:effectRef>
-          <a:fontRef idx="minor">
-            <a:schemeClr val="lt1"/>
-          </a:fontRef>
-        </p:style>
-        <p:txBody>
-          <a:bodyPr rtlCol="0" anchor="ctr"/>
-          <a:lstStyle/>
-          <a:p>
-            <a:pPr algn="ctr"/>
-            <a:endParaRPr lang="en-GB"/>
-          </a:p>
-        </p:txBody>
-      </p:sp>
     </p:spTree>
     <p:extLst>
       <p:ext uri="{BB962C8B-B14F-4D97-AF65-F5344CB8AC3E}">
-        <p14:creationId xmlns:p14="http://schemas.microsoft.com/office/powerpoint/2010/main" val="753093415"/>
+        <p14:creationId xmlns:p14="http://schemas.microsoft.com/office/powerpoint/2010/main" val="4293605848"/>
       </p:ext>
     </p:extLst>
   </p:cSld>
   <p:clrMapOvr>
     <a:masterClrMapping/>
   </p:clrMapOvr>
-  <p:timing>
-    <p:tnLst>
-      <p:par>
-        <p:cTn id="1" dur="indefinite" restart="never" nodeType="tmRoot">
-          <p:childTnLst>
-            <p:seq concurrent="1" nextAc="seek">
-              <p:cTn id="2" dur="indefinite" nodeType="mainSeq">
-                <p:childTnLst>
-                  <p:par>
-                    <p:cTn id="3" fill="hold">
-                      <p:stCondLst>
-                        <p:cond delay="indefinite"/>
-                      </p:stCondLst>
-                      <p:childTnLst>
-                        <p:par>
-                          <p:cTn id="4" fill="hold">
-                            <p:stCondLst>
-                              <p:cond delay="0"/>
-                            </p:stCondLst>
-                            <p:childTnLst>
-                              <p:par>
-                                <p:cTn id="5" presetID="1" presetClass="entr" presetSubtype="0" fill="hold" grpId="0" nodeType="clickEffect">
-                                  <p:stCondLst>
-                                    <p:cond delay="0"/>
-                                  </p:stCondLst>
-                                  <p:childTnLst>
-                                    <p:set>
-                                      <p:cBhvr>
-                                        <p:cTn id="6" dur="1" fill="hold">
-                                          <p:stCondLst>
-                                            <p:cond delay="0"/>
-                                          </p:stCondLst>
-                                        </p:cTn>
-                                        <p:tgtEl>
-                                          <p:spTgt spid="6"/>
-                                        </p:tgtEl>
-                                        <p:attrNameLst>
-                                          <p:attrName>style.visibility</p:attrName>
-                                        </p:attrNameLst>
-                                      </p:cBhvr>
-                                      <p:to>
-                                        <p:strVal val="visible"/>
-                                      </p:to>
-                                    </p:set>
-                                  </p:childTnLst>
-                                </p:cTn>
-                              </p:par>
-                            </p:childTnLst>
-                          </p:cTn>
-                        </p:par>
-                      </p:childTnLst>
-                    </p:cTn>
-                  </p:par>
-                </p:childTnLst>
-              </p:cTn>
-              <p:prevCondLst>
-                <p:cond evt="onPrev" delay="0">
-                  <p:tgtEl>
-                    <p:sldTgt/>
-                  </p:tgtEl>
-                </p:cond>
-              </p:prevCondLst>
-              <p:nextCondLst>
-                <p:cond evt="onNext" delay="0">
-                  <p:tgtEl>
-                    <p:sldTgt/>
-                  </p:tgtEl>
-                </p:cond>
-              </p:nextCondLst>
-            </p:seq>
-          </p:childTnLst>
-        </p:cTn>
-      </p:par>
-    </p:tnLst>
-    <p:bldLst>
-      <p:bldP spid="6" grpId="0" animBg="1"/>
-    </p:bldLst>
-  </p:timing>
+  <mc:AlternateContent xmlns:mc="http://schemas.openxmlformats.org/markup-compatibility/2006">
+    <mc:Choice xmlns:p14="http://schemas.microsoft.com/office/powerpoint/2010/main" Requires="p14">
+      <p:transition spd="med" p14:dur="700">
+        <p:fade/>
+      </p:transition>
+    </mc:Choice>
+    <mc:Fallback>
+      <p:transition spd="med">
+        <p:fade/>
+      </p:transition>
+    </mc:Fallback>
+  </mc:AlternateContent>
 </p:sld>
 </file>
 
@@ -4046,12 +4615,37 @@
           <a:chExt cx="0" cy="0"/>
         </a:xfrm>
       </p:grpSpPr>
+      <p:sp>
+        <p:nvSpPr>
+          <p:cNvPr id="2" name="Title 1">
+            <a:extLst>
+              <a:ext uri="{FF2B5EF4-FFF2-40B4-BE49-F238E27FC236}">
+                <a16:creationId xmlns:a16="http://schemas.microsoft.com/office/drawing/2014/main" id="{6E21BA1F-5272-42B6-BECB-D50F91F19D8B}"/>
+              </a:ext>
+            </a:extLst>
+          </p:cNvPr>
+          <p:cNvSpPr>
+            <a:spLocks noGrp="1"/>
+          </p:cNvSpPr>
+          <p:nvPr>
+            <p:ph type="title"/>
+          </p:nvPr>
+        </p:nvSpPr>
+        <p:spPr/>
+        <p:txBody>
+          <a:bodyPr/>
+          <a:lstStyle/>
+          <a:p>
+            <a:endParaRPr lang="en-GB"/>
+          </a:p>
+        </p:txBody>
+      </p:sp>
       <p:pic>
         <p:nvPicPr>
-          <p:cNvPr id="3" name="Picture 2" descr="A screenshot of a computer&#10;&#10;Description automatically generated">
+          <p:cNvPr id="4" name="Picture 3" descr="Text&#10;&#10;Description automatically generated">
             <a:extLst>
               <a:ext uri="{FF2B5EF4-FFF2-40B4-BE49-F238E27FC236}">
-                <a16:creationId xmlns:a16="http://schemas.microsoft.com/office/drawing/2014/main" id="{C13FEDDF-FA73-4579-8FA3-5F11C5BCBA19}"/>
+                <a16:creationId xmlns:a16="http://schemas.microsoft.com/office/drawing/2014/main" id="{5E8AB5D6-8BEA-4FE2-B99D-ECD991C5D95B}"/>
               </a:ext>
             </a:extLst>
           </p:cNvPr>
@@ -4068,8 +4662,8 @@
         </p:blipFill>
         <p:spPr>
           <a:xfrm>
-            <a:off x="0" y="566960"/>
-            <a:ext cx="9144000" cy="4576540"/>
+            <a:off x="0" y="470771"/>
+            <a:ext cx="9144000" cy="4672729"/>
           </a:xfrm>
           <a:prstGeom prst="rect">
             <a:avLst/>
@@ -4079,13 +4673,25 @@
     </p:spTree>
     <p:extLst>
       <p:ext uri="{BB962C8B-B14F-4D97-AF65-F5344CB8AC3E}">
-        <p14:creationId xmlns:p14="http://schemas.microsoft.com/office/powerpoint/2010/main" val="1954964905"/>
+        <p14:creationId xmlns:p14="http://schemas.microsoft.com/office/powerpoint/2010/main" val="3083397490"/>
       </p:ext>
     </p:extLst>
   </p:cSld>
   <p:clrMapOvr>
     <a:masterClrMapping/>
   </p:clrMapOvr>
+  <mc:AlternateContent xmlns:mc="http://schemas.openxmlformats.org/markup-compatibility/2006">
+    <mc:Choice xmlns:p14="http://schemas.microsoft.com/office/powerpoint/2010/main" Requires="p14">
+      <p:transition spd="med" p14:dur="700">
+        <p:fade/>
+      </p:transition>
+    </mc:Choice>
+    <mc:Fallback>
+      <p:transition spd="med">
+        <p:fade/>
+      </p:transition>
+    </mc:Fallback>
+  </mc:AlternateContent>
 </p:sld>
 </file>
 
@@ -4106,12 +4712,37 @@
           <a:chExt cx="0" cy="0"/>
         </a:xfrm>
       </p:grpSpPr>
+      <p:sp>
+        <p:nvSpPr>
+          <p:cNvPr id="2" name="Title 1">
+            <a:extLst>
+              <a:ext uri="{FF2B5EF4-FFF2-40B4-BE49-F238E27FC236}">
+                <a16:creationId xmlns:a16="http://schemas.microsoft.com/office/drawing/2014/main" id="{0A4B2CDF-E9AD-4707-94FF-24E9E2EBEBF0}"/>
+              </a:ext>
+            </a:extLst>
+          </p:cNvPr>
+          <p:cNvSpPr>
+            <a:spLocks noGrp="1"/>
+          </p:cNvSpPr>
+          <p:nvPr>
+            <p:ph type="title"/>
+          </p:nvPr>
+        </p:nvSpPr>
+        <p:spPr/>
+        <p:txBody>
+          <a:bodyPr/>
+          <a:lstStyle/>
+          <a:p>
+            <a:endParaRPr lang="en-GB"/>
+          </a:p>
+        </p:txBody>
+      </p:sp>
       <p:pic>
         <p:nvPicPr>
-          <p:cNvPr id="3" name="Picture 2" descr="Graphical user interface, application, table&#10;&#10;Description automatically generated">
+          <p:cNvPr id="4" name="Picture 3" descr="Text&#10;&#10;Description automatically generated">
             <a:extLst>
               <a:ext uri="{FF2B5EF4-FFF2-40B4-BE49-F238E27FC236}">
-                <a16:creationId xmlns:a16="http://schemas.microsoft.com/office/drawing/2014/main" id="{0F8F2A59-EAC2-48A3-AD47-1C86665B99DE}"/>
+                <a16:creationId xmlns:a16="http://schemas.microsoft.com/office/drawing/2014/main" id="{817425AD-7A3C-429B-9C2B-BB7E04FFF070}"/>
               </a:ext>
             </a:extLst>
           </p:cNvPr>
@@ -4128,8 +4759,8 @@
         </p:blipFill>
         <p:spPr>
           <a:xfrm>
-            <a:off x="0" y="566960"/>
-            <a:ext cx="9144000" cy="4576540"/>
+            <a:off x="0" y="470771"/>
+            <a:ext cx="9144000" cy="4672729"/>
           </a:xfrm>
           <a:prstGeom prst="rect">
             <a:avLst/>
@@ -4139,13 +4770,25 @@
     </p:spTree>
     <p:extLst>
       <p:ext uri="{BB962C8B-B14F-4D97-AF65-F5344CB8AC3E}">
-        <p14:creationId xmlns:p14="http://schemas.microsoft.com/office/powerpoint/2010/main" val="2913592499"/>
+        <p14:creationId xmlns:p14="http://schemas.microsoft.com/office/powerpoint/2010/main" val="1024073223"/>
       </p:ext>
     </p:extLst>
   </p:cSld>
   <p:clrMapOvr>
     <a:masterClrMapping/>
   </p:clrMapOvr>
+  <mc:AlternateContent xmlns:mc="http://schemas.openxmlformats.org/markup-compatibility/2006">
+    <mc:Choice xmlns:p14="http://schemas.microsoft.com/office/powerpoint/2010/main" Requires="p14">
+      <p:transition spd="med" p14:dur="700">
+        <p:fade/>
+      </p:transition>
+    </mc:Choice>
+    <mc:Fallback>
+      <p:transition spd="med">
+        <p:fade/>
+      </p:transition>
+    </mc:Fallback>
+  </mc:AlternateContent>
 </p:sld>
 </file>
 

--- a/02f Python and R.pptx
+++ b/02f Python and R.pptx
@@ -5,7 +5,7 @@
     <p:sldMasterId id="2147483659" r:id="rId1"/>
   </p:sldMasterIdLst>
   <p:notesMasterIdLst>
-    <p:notesMasterId r:id="rId22"/>
+    <p:notesMasterId r:id="rId26"/>
   </p:notesMasterIdLst>
   <p:sldIdLst>
     <p:sldId id="263" r:id="rId2"/>
@@ -23,21 +23,25 @@
     <p:sldId id="271" r:id="rId14"/>
     <p:sldId id="272" r:id="rId15"/>
     <p:sldId id="273" r:id="rId16"/>
-    <p:sldId id="274" r:id="rId17"/>
-    <p:sldId id="275" r:id="rId18"/>
-    <p:sldId id="276" r:id="rId19"/>
-    <p:sldId id="277" r:id="rId20"/>
-    <p:sldId id="278" r:id="rId21"/>
+    <p:sldId id="289" r:id="rId17"/>
+    <p:sldId id="284" r:id="rId18"/>
+    <p:sldId id="285" r:id="rId19"/>
+    <p:sldId id="286" r:id="rId20"/>
+    <p:sldId id="287" r:id="rId21"/>
+    <p:sldId id="290" r:id="rId22"/>
+    <p:sldId id="291" r:id="rId23"/>
+    <p:sldId id="292" r:id="rId24"/>
+    <p:sldId id="258" r:id="rId25"/>
   </p:sldIdLst>
   <p:sldSz cx="9144000" cy="5143500" type="screen16x9"/>
   <p:notesSz cx="6858000" cy="9144000"/>
   <p:embeddedFontLst>
     <p:embeddedFont>
       <p:font typeface="Roboto" panose="02000000000000000000" pitchFamily="2" charset="0"/>
-      <p:regular r:id="rId23"/>
-      <p:bold r:id="rId24"/>
-      <p:italic r:id="rId25"/>
-      <p:boldItalic r:id="rId26"/>
+      <p:regular r:id="rId27"/>
+      <p:bold r:id="rId28"/>
+      <p:italic r:id="rId29"/>
+      <p:boldItalic r:id="rId30"/>
     </p:embeddedFont>
   </p:embeddedFontLst>
   <p:defaultTextStyle>
@@ -861,6 +865,110 @@
 </p:notes>
 </file>
 
+<file path=ppt/notesSlides/notesSlide3.xml><?xml version="1.0" encoding="utf-8"?>
+<p:notes xmlns:a="http://schemas.openxmlformats.org/drawingml/2006/main" xmlns:r="http://schemas.openxmlformats.org/officeDocument/2006/relationships" xmlns:p="http://schemas.openxmlformats.org/presentationml/2006/main" showMasterSp="0" showMasterPhAnim="0">
+  <p:cSld>
+    <p:spTree>
+      <p:nvGrpSpPr>
+        <p:cNvPr id="1" name="Shape 69"/>
+        <p:cNvGrpSpPr/>
+        <p:nvPr/>
+      </p:nvGrpSpPr>
+      <p:grpSpPr>
+        <a:xfrm>
+          <a:off x="0" y="0"/>
+          <a:ext cx="0" cy="0"/>
+          <a:chOff x="0" y="0"/>
+          <a:chExt cx="0" cy="0"/>
+        </a:xfrm>
+      </p:grpSpPr>
+      <p:sp>
+        <p:nvSpPr>
+          <p:cNvPr id="70" name="Google Shape;70;ga329ba36e6_0_19:notes"/>
+          <p:cNvSpPr>
+            <a:spLocks noGrp="1" noRot="1" noChangeAspect="1"/>
+          </p:cNvSpPr>
+          <p:nvPr>
+            <p:ph type="sldImg" idx="2"/>
+          </p:nvPr>
+        </p:nvSpPr>
+        <p:spPr>
+          <a:xfrm>
+            <a:off x="381000" y="685800"/>
+            <a:ext cx="6096000" cy="3429000"/>
+          </a:xfrm>
+          <a:custGeom>
+            <a:avLst/>
+            <a:gdLst/>
+            <a:ahLst/>
+            <a:cxnLst/>
+            <a:rect l="l" t="t" r="r" b="b"/>
+            <a:pathLst>
+              <a:path w="120000" h="120000" extrusionOk="0">
+                <a:moveTo>
+                  <a:pt x="0" y="0"/>
+                </a:moveTo>
+                <a:lnTo>
+                  <a:pt x="120000" y="0"/>
+                </a:lnTo>
+                <a:lnTo>
+                  <a:pt x="120000" y="120000"/>
+                </a:lnTo>
+                <a:lnTo>
+                  <a:pt x="0" y="120000"/>
+                </a:lnTo>
+                <a:close/>
+              </a:path>
+            </a:pathLst>
+          </a:custGeom>
+        </p:spPr>
+      </p:sp>
+      <p:sp>
+        <p:nvSpPr>
+          <p:cNvPr id="71" name="Google Shape;71;ga329ba36e6_0_19:notes"/>
+          <p:cNvSpPr txBox="1">
+            <a:spLocks noGrp="1"/>
+          </p:cNvSpPr>
+          <p:nvPr>
+            <p:ph type="body" idx="1"/>
+          </p:nvPr>
+        </p:nvSpPr>
+        <p:spPr>
+          <a:xfrm>
+            <a:off x="685800" y="4343400"/>
+            <a:ext cx="5486400" cy="4114800"/>
+          </a:xfrm>
+          <a:prstGeom prst="rect">
+            <a:avLst/>
+          </a:prstGeom>
+        </p:spPr>
+        <p:txBody>
+          <a:bodyPr spcFirstLastPara="1" wrap="square" lIns="91425" tIns="91425" rIns="91425" bIns="91425" anchor="t" anchorCtr="0">
+            <a:noAutofit/>
+          </a:bodyPr>
+          <a:lstStyle/>
+          <a:p>
+            <a:pPr marL="0" lvl="0" indent="0" algn="l" rtl="0">
+              <a:spcBef>
+                <a:spcPts val="0"/>
+              </a:spcBef>
+              <a:spcAft>
+                <a:spcPts val="0"/>
+              </a:spcAft>
+              <a:buNone/>
+            </a:pPr>
+            <a:endParaRPr/>
+          </a:p>
+        </p:txBody>
+      </p:sp>
+    </p:spTree>
+  </p:cSld>
+  <p:clrMapOvr>
+    <a:masterClrMapping/>
+  </p:clrMapOvr>
+</p:notes>
+</file>
+
 <file path=ppt/slideLayouts/slideLayout1.xml><?xml version="1.0" encoding="utf-8"?>
 <p:sldLayout xmlns:a="http://schemas.openxmlformats.org/drawingml/2006/main" xmlns:r="http://schemas.openxmlformats.org/officeDocument/2006/relationships" xmlns:p="http://schemas.openxmlformats.org/presentationml/2006/main" matchingName="Caption">
   <p:cSld name="CAPTION_ONLY">
@@ -1485,6 +1593,373 @@
 </p:sldLayout>
 </file>
 
+<file path=ppt/slideLayouts/slideLayout4.xml><?xml version="1.0" encoding="utf-8"?>
+<p:sldLayout xmlns:a="http://schemas.openxmlformats.org/drawingml/2006/main" xmlns:r="http://schemas.openxmlformats.org/officeDocument/2006/relationships" xmlns:p="http://schemas.openxmlformats.org/presentationml/2006/main" matchingName="Title and body" type="tx">
+  <p:cSld name="Title and body">
+    <p:spTree>
+      <p:nvGrpSpPr>
+        <p:cNvPr id="1" name="Shape 23"/>
+        <p:cNvGrpSpPr/>
+        <p:nvPr/>
+      </p:nvGrpSpPr>
+      <p:grpSpPr>
+        <a:xfrm>
+          <a:off x="0" y="0"/>
+          <a:ext cx="0" cy="0"/>
+          <a:chOff x="0" y="0"/>
+          <a:chExt cx="0" cy="0"/>
+        </a:xfrm>
+      </p:grpSpPr>
+      <p:sp>
+        <p:nvSpPr>
+          <p:cNvPr id="24" name="Google Shape;24;p4"/>
+          <p:cNvSpPr txBox="1">
+            <a:spLocks noGrp="1"/>
+          </p:cNvSpPr>
+          <p:nvPr>
+            <p:ph type="title"/>
+          </p:nvPr>
+        </p:nvSpPr>
+        <p:spPr>
+          <a:xfrm>
+            <a:off x="311700" y="690750"/>
+            <a:ext cx="8520600" cy="572700"/>
+          </a:xfrm>
+          <a:prstGeom prst="rect">
+            <a:avLst/>
+          </a:prstGeom>
+        </p:spPr>
+        <p:txBody>
+          <a:bodyPr spcFirstLastPara="1" wrap="square" lIns="91425" tIns="91425" rIns="91425" bIns="91425" anchor="t" anchorCtr="0">
+            <a:noAutofit/>
+          </a:bodyPr>
+          <a:lstStyle>
+            <a:lvl1pPr lvl="0">
+              <a:spcBef>
+                <a:spcPts val="0"/>
+              </a:spcBef>
+              <a:spcAft>
+                <a:spcPts val="0"/>
+              </a:spcAft>
+              <a:buSzPts val="2800"/>
+              <a:buNone/>
+              <a:defRPr/>
+            </a:lvl1pPr>
+            <a:lvl2pPr lvl="1">
+              <a:spcBef>
+                <a:spcPts val="0"/>
+              </a:spcBef>
+              <a:spcAft>
+                <a:spcPts val="0"/>
+              </a:spcAft>
+              <a:buSzPts val="2800"/>
+              <a:buNone/>
+              <a:defRPr/>
+            </a:lvl2pPr>
+            <a:lvl3pPr lvl="2">
+              <a:spcBef>
+                <a:spcPts val="0"/>
+              </a:spcBef>
+              <a:spcAft>
+                <a:spcPts val="0"/>
+              </a:spcAft>
+              <a:buSzPts val="2800"/>
+              <a:buNone/>
+              <a:defRPr/>
+            </a:lvl3pPr>
+            <a:lvl4pPr lvl="3">
+              <a:spcBef>
+                <a:spcPts val="0"/>
+              </a:spcBef>
+              <a:spcAft>
+                <a:spcPts val="0"/>
+              </a:spcAft>
+              <a:buSzPts val="2800"/>
+              <a:buNone/>
+              <a:defRPr/>
+            </a:lvl4pPr>
+            <a:lvl5pPr lvl="4">
+              <a:spcBef>
+                <a:spcPts val="0"/>
+              </a:spcBef>
+              <a:spcAft>
+                <a:spcPts val="0"/>
+              </a:spcAft>
+              <a:buSzPts val="2800"/>
+              <a:buNone/>
+              <a:defRPr/>
+            </a:lvl5pPr>
+            <a:lvl6pPr lvl="5">
+              <a:spcBef>
+                <a:spcPts val="0"/>
+              </a:spcBef>
+              <a:spcAft>
+                <a:spcPts val="0"/>
+              </a:spcAft>
+              <a:buSzPts val="2800"/>
+              <a:buNone/>
+              <a:defRPr/>
+            </a:lvl6pPr>
+            <a:lvl7pPr lvl="6">
+              <a:spcBef>
+                <a:spcPts val="0"/>
+              </a:spcBef>
+              <a:spcAft>
+                <a:spcPts val="0"/>
+              </a:spcAft>
+              <a:buSzPts val="2800"/>
+              <a:buNone/>
+              <a:defRPr/>
+            </a:lvl7pPr>
+            <a:lvl8pPr lvl="7">
+              <a:spcBef>
+                <a:spcPts val="0"/>
+              </a:spcBef>
+              <a:spcAft>
+                <a:spcPts val="0"/>
+              </a:spcAft>
+              <a:buSzPts val="2800"/>
+              <a:buNone/>
+              <a:defRPr/>
+            </a:lvl8pPr>
+            <a:lvl9pPr lvl="8">
+              <a:spcBef>
+                <a:spcPts val="0"/>
+              </a:spcBef>
+              <a:spcAft>
+                <a:spcPts val="0"/>
+              </a:spcAft>
+              <a:buSzPts val="2800"/>
+              <a:buNone/>
+              <a:defRPr/>
+            </a:lvl9pPr>
+          </a:lstStyle>
+          <a:p>
+            <a:endParaRPr/>
+          </a:p>
+        </p:txBody>
+      </p:sp>
+      <p:sp>
+        <p:nvSpPr>
+          <p:cNvPr id="25" name="Google Shape;25;p4"/>
+          <p:cNvSpPr txBox="1">
+            <a:spLocks noGrp="1"/>
+          </p:cNvSpPr>
+          <p:nvPr>
+            <p:ph type="body" idx="1"/>
+          </p:nvPr>
+        </p:nvSpPr>
+        <p:spPr>
+          <a:xfrm>
+            <a:off x="311700" y="1381500"/>
+            <a:ext cx="8520600" cy="3416400"/>
+          </a:xfrm>
+          <a:prstGeom prst="rect">
+            <a:avLst/>
+          </a:prstGeom>
+        </p:spPr>
+        <p:txBody>
+          <a:bodyPr spcFirstLastPara="1" wrap="square" lIns="91425" tIns="91425" rIns="91425" bIns="91425" anchor="t" anchorCtr="0">
+            <a:noAutofit/>
+          </a:bodyPr>
+          <a:lstStyle>
+            <a:lvl1pPr marL="457200" lvl="0" indent="-342900">
+              <a:spcBef>
+                <a:spcPts val="0"/>
+              </a:spcBef>
+              <a:spcAft>
+                <a:spcPts val="0"/>
+              </a:spcAft>
+              <a:buSzPts val="1800"/>
+              <a:buChar char="●"/>
+              <a:defRPr/>
+            </a:lvl1pPr>
+            <a:lvl2pPr marL="914400" lvl="1" indent="-317500">
+              <a:spcBef>
+                <a:spcPts val="1600"/>
+              </a:spcBef>
+              <a:spcAft>
+                <a:spcPts val="0"/>
+              </a:spcAft>
+              <a:buSzPts val="1400"/>
+              <a:buChar char="○"/>
+              <a:defRPr/>
+            </a:lvl2pPr>
+            <a:lvl3pPr marL="1371600" lvl="2" indent="-317500">
+              <a:spcBef>
+                <a:spcPts val="1600"/>
+              </a:spcBef>
+              <a:spcAft>
+                <a:spcPts val="0"/>
+              </a:spcAft>
+              <a:buSzPts val="1400"/>
+              <a:buChar char="■"/>
+              <a:defRPr/>
+            </a:lvl3pPr>
+            <a:lvl4pPr marL="1828800" lvl="3" indent="-317500">
+              <a:spcBef>
+                <a:spcPts val="1600"/>
+              </a:spcBef>
+              <a:spcAft>
+                <a:spcPts val="0"/>
+              </a:spcAft>
+              <a:buSzPts val="1400"/>
+              <a:buChar char="●"/>
+              <a:defRPr/>
+            </a:lvl4pPr>
+            <a:lvl5pPr marL="2286000" lvl="4" indent="-317500">
+              <a:spcBef>
+                <a:spcPts val="1600"/>
+              </a:spcBef>
+              <a:spcAft>
+                <a:spcPts val="0"/>
+              </a:spcAft>
+              <a:buSzPts val="1400"/>
+              <a:buChar char="○"/>
+              <a:defRPr/>
+            </a:lvl5pPr>
+            <a:lvl6pPr marL="2743200" lvl="5" indent="-317500">
+              <a:spcBef>
+                <a:spcPts val="1600"/>
+              </a:spcBef>
+              <a:spcAft>
+                <a:spcPts val="0"/>
+              </a:spcAft>
+              <a:buSzPts val="1400"/>
+              <a:buChar char="■"/>
+              <a:defRPr/>
+            </a:lvl6pPr>
+            <a:lvl7pPr marL="3200400" lvl="6" indent="-317500">
+              <a:spcBef>
+                <a:spcPts val="1600"/>
+              </a:spcBef>
+              <a:spcAft>
+                <a:spcPts val="0"/>
+              </a:spcAft>
+              <a:buSzPts val="1400"/>
+              <a:buChar char="●"/>
+              <a:defRPr/>
+            </a:lvl7pPr>
+            <a:lvl8pPr marL="3657600" lvl="7" indent="-317500">
+              <a:spcBef>
+                <a:spcPts val="1600"/>
+              </a:spcBef>
+              <a:spcAft>
+                <a:spcPts val="0"/>
+              </a:spcAft>
+              <a:buSzPts val="1400"/>
+              <a:buChar char="○"/>
+              <a:defRPr/>
+            </a:lvl8pPr>
+            <a:lvl9pPr marL="4114800" lvl="8" indent="-317500">
+              <a:spcBef>
+                <a:spcPts val="1600"/>
+              </a:spcBef>
+              <a:spcAft>
+                <a:spcPts val="1600"/>
+              </a:spcAft>
+              <a:buSzPts val="1400"/>
+              <a:buChar char="■"/>
+              <a:defRPr/>
+            </a:lvl9pPr>
+          </a:lstStyle>
+          <a:p>
+            <a:endParaRPr/>
+          </a:p>
+        </p:txBody>
+      </p:sp>
+      <p:sp>
+        <p:nvSpPr>
+          <p:cNvPr id="26" name="Google Shape;26;p4"/>
+          <p:cNvSpPr txBox="1">
+            <a:spLocks noGrp="1"/>
+          </p:cNvSpPr>
+          <p:nvPr>
+            <p:ph type="sldNum" idx="12"/>
+          </p:nvPr>
+        </p:nvSpPr>
+        <p:spPr>
+          <a:xfrm>
+            <a:off x="8472458" y="4663217"/>
+            <a:ext cx="548700" cy="393600"/>
+          </a:xfrm>
+          <a:prstGeom prst="rect">
+            <a:avLst/>
+          </a:prstGeom>
+        </p:spPr>
+        <p:txBody>
+          <a:bodyPr spcFirstLastPara="1" wrap="square" lIns="91425" tIns="91425" rIns="91425" bIns="91425" anchor="ctr" anchorCtr="0">
+            <a:noAutofit/>
+          </a:bodyPr>
+          <a:lstStyle>
+            <a:lvl1pPr lvl="0">
+              <a:buNone/>
+              <a:defRPr/>
+            </a:lvl1pPr>
+            <a:lvl2pPr lvl="1">
+              <a:buNone/>
+              <a:defRPr/>
+            </a:lvl2pPr>
+            <a:lvl3pPr lvl="2">
+              <a:buNone/>
+              <a:defRPr/>
+            </a:lvl3pPr>
+            <a:lvl4pPr lvl="3">
+              <a:buNone/>
+              <a:defRPr/>
+            </a:lvl4pPr>
+            <a:lvl5pPr lvl="4">
+              <a:buNone/>
+              <a:defRPr/>
+            </a:lvl5pPr>
+            <a:lvl6pPr lvl="5">
+              <a:buNone/>
+              <a:defRPr/>
+            </a:lvl6pPr>
+            <a:lvl7pPr lvl="6">
+              <a:buNone/>
+              <a:defRPr/>
+            </a:lvl7pPr>
+            <a:lvl8pPr lvl="7">
+              <a:buNone/>
+              <a:defRPr/>
+            </a:lvl8pPr>
+            <a:lvl9pPr lvl="8">
+              <a:buNone/>
+              <a:defRPr/>
+            </a:lvl9pPr>
+          </a:lstStyle>
+          <a:p>
+            <a:pPr marL="0" lvl="0" indent="0" algn="r" rtl="0">
+              <a:spcBef>
+                <a:spcPts val="0"/>
+              </a:spcBef>
+              <a:spcAft>
+                <a:spcPts val="0"/>
+              </a:spcAft>
+              <a:buNone/>
+            </a:pPr>
+            <a:fld id="{00000000-1234-1234-1234-123412341234}" type="slidenum">
+              <a:rPr lang="en"/>
+              <a:t>‹#›</a:t>
+            </a:fld>
+            <a:endParaRPr/>
+          </a:p>
+        </p:txBody>
+      </p:sp>
+    </p:spTree>
+    <p:extLst>
+      <p:ext uri="{BB962C8B-B14F-4D97-AF65-F5344CB8AC3E}">
+        <p14:creationId xmlns:p14="http://schemas.microsoft.com/office/powerpoint/2010/main" val="2158752211"/>
+      </p:ext>
+    </p:extLst>
+  </p:cSld>
+  <p:clrMapOvr>
+    <a:masterClrMapping/>
+  </p:clrMapOvr>
+</p:sldLayout>
+</file>
+
 <file path=ppt/slideMasters/slideMaster1.xml><?xml version="1.0" encoding="utf-8"?>
 <p:sldMaster xmlns:a="http://schemas.openxmlformats.org/drawingml/2006/main" xmlns:r="http://schemas.openxmlformats.org/officeDocument/2006/relationships" xmlns:p="http://schemas.openxmlformats.org/presentationml/2006/main">
   <p:cSld name="simple-light-2">
@@ -2181,7 +2656,7 @@
           <p:nvPr/>
         </p:nvPicPr>
         <p:blipFill rotWithShape="1">
-          <a:blip r:embed="rId5">
+          <a:blip r:embed="rId6">
             <a:alphaModFix/>
           </a:blip>
           <a:srcRect b="88865"/>
@@ -2208,7 +2683,7 @@
           <p:nvPr/>
         </p:nvPicPr>
         <p:blipFill>
-          <a:blip r:embed="rId6">
+          <a:blip r:embed="rId7">
             <a:alphaModFix/>
           </a:blip>
           <a:stretch>
@@ -2236,6 +2711,7 @@
     <p:sldLayoutId id="2147483656" r:id="rId1"/>
     <p:sldLayoutId id="2147483660" r:id="rId2"/>
     <p:sldLayoutId id="2147483663" r:id="rId3"/>
+    <p:sldLayoutId id="2147483664" r:id="rId4"/>
   </p:sldLayoutIdLst>
   <p:hf sldNum="0" hdr="0" ftr="0" dt="0"/>
   <p:txStyles>
@@ -2985,13 +3461,13 @@
   <p:clrMapOvr>
     <a:masterClrMapping/>
   </p:clrMapOvr>
-  <mc:AlternateContent xmlns:mc="http://schemas.openxmlformats.org/markup-compatibility/2006">
-    <mc:Choice xmlns:p14="http://schemas.microsoft.com/office/powerpoint/2010/main" Requires="p14">
+  <mc:AlternateContent xmlns:mc="http://schemas.openxmlformats.org/markup-compatibility/2006" xmlns:p14="http://schemas.microsoft.com/office/powerpoint/2010/main">
+    <mc:Choice Requires="p14">
       <p:transition spd="med" p14:dur="700">
         <p:fade/>
       </p:transition>
     </mc:Choice>
-    <mc:Fallback>
+    <mc:Fallback xmlns="">
       <p:transition spd="med">
         <p:fade/>
       </p:transition>
@@ -3082,13 +3558,13 @@
   <p:clrMapOvr>
     <a:masterClrMapping/>
   </p:clrMapOvr>
-  <mc:AlternateContent xmlns:mc="http://schemas.openxmlformats.org/markup-compatibility/2006">
-    <mc:Choice xmlns:p14="http://schemas.microsoft.com/office/powerpoint/2010/main" Requires="p14">
+  <mc:AlternateContent xmlns:mc="http://schemas.openxmlformats.org/markup-compatibility/2006" xmlns:p14="http://schemas.microsoft.com/office/powerpoint/2010/main">
+    <mc:Choice Requires="p14">
       <p:transition spd="med" p14:dur="700">
         <p:fade/>
       </p:transition>
     </mc:Choice>
-    <mc:Fallback>
+    <mc:Fallback xmlns="">
       <p:transition spd="med">
         <p:fade/>
       </p:transition>
@@ -3179,13 +3655,13 @@
   <p:clrMapOvr>
     <a:masterClrMapping/>
   </p:clrMapOvr>
-  <mc:AlternateContent xmlns:mc="http://schemas.openxmlformats.org/markup-compatibility/2006">
-    <mc:Choice xmlns:p14="http://schemas.microsoft.com/office/powerpoint/2010/main" Requires="p14">
+  <mc:AlternateContent xmlns:mc="http://schemas.openxmlformats.org/markup-compatibility/2006" xmlns:p14="http://schemas.microsoft.com/office/powerpoint/2010/main">
+    <mc:Choice Requires="p14">
       <p:transition spd="med" p14:dur="700">
         <p:fade/>
       </p:transition>
     </mc:Choice>
-    <mc:Fallback>
+    <mc:Fallback xmlns="">
       <p:transition spd="med">
         <p:fade/>
       </p:transition>
@@ -3249,13 +3725,13 @@
   <p:clrMapOvr>
     <a:masterClrMapping/>
   </p:clrMapOvr>
-  <mc:AlternateContent xmlns:mc="http://schemas.openxmlformats.org/markup-compatibility/2006">
-    <mc:Choice xmlns:p14="http://schemas.microsoft.com/office/powerpoint/2010/main" Requires="p14">
+  <mc:AlternateContent xmlns:mc="http://schemas.openxmlformats.org/markup-compatibility/2006" xmlns:p14="http://schemas.microsoft.com/office/powerpoint/2010/main">
+    <mc:Choice Requires="p14">
       <p:transition spd="med" p14:dur="700">
         <p:fade/>
       </p:transition>
     </mc:Choice>
-    <mc:Fallback>
+    <mc:Fallback xmlns="">
       <p:transition spd="med">
         <p:fade/>
       </p:transition>
@@ -3346,13 +3822,13 @@
   <p:clrMapOvr>
     <a:masterClrMapping/>
   </p:clrMapOvr>
-  <mc:AlternateContent xmlns:mc="http://schemas.openxmlformats.org/markup-compatibility/2006">
-    <mc:Choice xmlns:p14="http://schemas.microsoft.com/office/powerpoint/2010/main" Requires="p14">
+  <mc:AlternateContent xmlns:mc="http://schemas.openxmlformats.org/markup-compatibility/2006" xmlns:p14="http://schemas.microsoft.com/office/powerpoint/2010/main">
+    <mc:Choice Requires="p14">
       <p:transition spd="med" p14:dur="700">
         <p:fade/>
       </p:transition>
     </mc:Choice>
-    <mc:Fallback>
+    <mc:Fallback xmlns="">
       <p:transition spd="med">
         <p:fade/>
       </p:transition>
@@ -3443,13 +3919,13 @@
   <p:clrMapOvr>
     <a:masterClrMapping/>
   </p:clrMapOvr>
-  <mc:AlternateContent xmlns:mc="http://schemas.openxmlformats.org/markup-compatibility/2006">
-    <mc:Choice xmlns:p14="http://schemas.microsoft.com/office/powerpoint/2010/main" Requires="p14">
+  <mc:AlternateContent xmlns:mc="http://schemas.openxmlformats.org/markup-compatibility/2006" xmlns:p14="http://schemas.microsoft.com/office/powerpoint/2010/main">
+    <mc:Choice Requires="p14">
       <p:transition spd="med" p14:dur="700">
         <p:fade/>
       </p:transition>
     </mc:Choice>
-    <mc:Fallback>
+    <mc:Fallback xmlns="">
       <p:transition spd="med">
         <p:fade/>
       </p:transition>
@@ -3540,13 +4016,13 @@
   <p:clrMapOvr>
     <a:masterClrMapping/>
   </p:clrMapOvr>
-  <mc:AlternateContent xmlns:mc="http://schemas.openxmlformats.org/markup-compatibility/2006">
-    <mc:Choice xmlns:p14="http://schemas.microsoft.com/office/powerpoint/2010/main" Requires="p14">
+  <mc:AlternateContent xmlns:mc="http://schemas.openxmlformats.org/markup-compatibility/2006" xmlns:p14="http://schemas.microsoft.com/office/powerpoint/2010/main">
+    <mc:Choice Requires="p14">
       <p:transition spd="med" p14:dur="700">
         <p:fade/>
       </p:transition>
     </mc:Choice>
-    <mc:Fallback>
+    <mc:Fallback xmlns="">
       <p:transition spd="med">
         <p:fade/>
       </p:transition>
@@ -3577,7 +4053,7 @@
           <p:cNvPr id="2" name="Title 1">
             <a:extLst>
               <a:ext uri="{FF2B5EF4-FFF2-40B4-BE49-F238E27FC236}">
-                <a16:creationId xmlns:a16="http://schemas.microsoft.com/office/drawing/2014/main" id="{884D47F4-4FC3-4B5E-9EFF-45799350E6E8}"/>
+                <a16:creationId xmlns:a16="http://schemas.microsoft.com/office/drawing/2014/main" id="{5878E8E6-6460-487B-A890-568A42C18C64}"/>
               </a:ext>
             </a:extLst>
           </p:cNvPr>
@@ -3599,10 +4075,10 @@
       </p:sp>
       <p:pic>
         <p:nvPicPr>
-          <p:cNvPr id="4" name="Picture 3" descr="Graphical user interface, text, application, Word&#10;&#10;Description automatically generated">
+          <p:cNvPr id="4" name="Picture 3" descr="Graphical user interface, application, Word&#10;&#10;Description automatically generated">
             <a:extLst>
               <a:ext uri="{FF2B5EF4-FFF2-40B4-BE49-F238E27FC236}">
-                <a16:creationId xmlns:a16="http://schemas.microsoft.com/office/drawing/2014/main" id="{790F5593-B61A-4616-AFDD-E0B0DA15DC59}"/>
+                <a16:creationId xmlns:a16="http://schemas.microsoft.com/office/drawing/2014/main" id="{976A1BC9-8E9E-453A-A821-78A9CADA695C}"/>
               </a:ext>
             </a:extLst>
           </p:cNvPr>
@@ -3619,8 +4095,8 @@
         </p:blipFill>
         <p:spPr>
           <a:xfrm>
-            <a:off x="0" y="573832"/>
-            <a:ext cx="9144000" cy="4569668"/>
+            <a:off x="0" y="550998"/>
+            <a:ext cx="9144000" cy="4592502"/>
           </a:xfrm>
           <a:prstGeom prst="rect">
             <a:avLst/>
@@ -3630,25 +4106,13 @@
     </p:spTree>
     <p:extLst>
       <p:ext uri="{BB962C8B-B14F-4D97-AF65-F5344CB8AC3E}">
-        <p14:creationId xmlns:p14="http://schemas.microsoft.com/office/powerpoint/2010/main" val="476976433"/>
+        <p14:creationId xmlns:p14="http://schemas.microsoft.com/office/powerpoint/2010/main" val="4024115869"/>
       </p:ext>
     </p:extLst>
   </p:cSld>
   <p:clrMapOvr>
     <a:masterClrMapping/>
   </p:clrMapOvr>
-  <mc:AlternateContent xmlns:mc="http://schemas.openxmlformats.org/markup-compatibility/2006">
-    <mc:Choice xmlns:p14="http://schemas.microsoft.com/office/powerpoint/2010/main" Requires="p14">
-      <p:transition spd="med" p14:dur="700">
-        <p:fade/>
-      </p:transition>
-    </mc:Choice>
-    <mc:Fallback>
-      <p:transition spd="med">
-        <p:fade/>
-      </p:transition>
-    </mc:Fallback>
-  </mc:AlternateContent>
 </p:sld>
 </file>
 
@@ -3674,7 +4138,7 @@
           <p:cNvPr id="2" name="Title 1">
             <a:extLst>
               <a:ext uri="{FF2B5EF4-FFF2-40B4-BE49-F238E27FC236}">
-                <a16:creationId xmlns:a16="http://schemas.microsoft.com/office/drawing/2014/main" id="{3D24BCBA-0489-41B7-8331-FC6341700722}"/>
+                <a16:creationId xmlns:a16="http://schemas.microsoft.com/office/drawing/2014/main" id="{94C4E826-29DA-4E1D-94E6-C77F70466841}"/>
               </a:ext>
             </a:extLst>
           </p:cNvPr>
@@ -3699,7 +4163,7 @@
           <p:cNvPr id="4" name="Picture 3" descr="Graphical user interface, application, Word&#10;&#10;Description automatically generated">
             <a:extLst>
               <a:ext uri="{FF2B5EF4-FFF2-40B4-BE49-F238E27FC236}">
-                <a16:creationId xmlns:a16="http://schemas.microsoft.com/office/drawing/2014/main" id="{334D50CB-8F24-47AD-A44F-23FB8E7BFEDD}"/>
+                <a16:creationId xmlns:a16="http://schemas.microsoft.com/office/drawing/2014/main" id="{5F26FF9A-E253-43A3-B389-A0878BDCBFA9}"/>
               </a:ext>
             </a:extLst>
           </p:cNvPr>
@@ -3716,8 +4180,8 @@
         </p:blipFill>
         <p:spPr>
           <a:xfrm>
-            <a:off x="0" y="573832"/>
-            <a:ext cx="9144000" cy="4569668"/>
+            <a:off x="0" y="550998"/>
+            <a:ext cx="9144000" cy="4592502"/>
           </a:xfrm>
           <a:prstGeom prst="rect">
             <a:avLst/>
@@ -3727,25 +4191,13 @@
     </p:spTree>
     <p:extLst>
       <p:ext uri="{BB962C8B-B14F-4D97-AF65-F5344CB8AC3E}">
-        <p14:creationId xmlns:p14="http://schemas.microsoft.com/office/powerpoint/2010/main" val="3739536469"/>
+        <p14:creationId xmlns:p14="http://schemas.microsoft.com/office/powerpoint/2010/main" val="3534456970"/>
       </p:ext>
     </p:extLst>
   </p:cSld>
   <p:clrMapOvr>
     <a:masterClrMapping/>
   </p:clrMapOvr>
-  <mc:AlternateContent xmlns:mc="http://schemas.openxmlformats.org/markup-compatibility/2006">
-    <mc:Choice xmlns:p14="http://schemas.microsoft.com/office/powerpoint/2010/main" Requires="p14">
-      <p:transition spd="med" p14:dur="700">
-        <p:fade/>
-      </p:transition>
-    </mc:Choice>
-    <mc:Fallback>
-      <p:transition spd="med">
-        <p:fade/>
-      </p:transition>
-    </mc:Fallback>
-  </mc:AlternateContent>
 </p:sld>
 </file>
 
@@ -3771,7 +4223,7 @@
           <p:cNvPr id="2" name="Title 1">
             <a:extLst>
               <a:ext uri="{FF2B5EF4-FFF2-40B4-BE49-F238E27FC236}">
-                <a16:creationId xmlns:a16="http://schemas.microsoft.com/office/drawing/2014/main" id="{3A0DFC95-5005-449F-9BE3-89A62F3388E9}"/>
+                <a16:creationId xmlns:a16="http://schemas.microsoft.com/office/drawing/2014/main" id="{56B6C0CF-A964-4AD3-933A-18D8FB100B7D}"/>
               </a:ext>
             </a:extLst>
           </p:cNvPr>
@@ -3796,7 +4248,7 @@
           <p:cNvPr id="4" name="Picture 3" descr="Graphical user interface, application, Word&#10;&#10;Description automatically generated">
             <a:extLst>
               <a:ext uri="{FF2B5EF4-FFF2-40B4-BE49-F238E27FC236}">
-                <a16:creationId xmlns:a16="http://schemas.microsoft.com/office/drawing/2014/main" id="{94553A82-3599-448F-AB24-E85BF291C2BC}"/>
+                <a16:creationId xmlns:a16="http://schemas.microsoft.com/office/drawing/2014/main" id="{C239EFB7-4894-4059-8645-410610C385C2}"/>
               </a:ext>
             </a:extLst>
           </p:cNvPr>
@@ -3813,8 +4265,8 @@
         </p:blipFill>
         <p:spPr>
           <a:xfrm>
-            <a:off x="0" y="573832"/>
-            <a:ext cx="9144000" cy="4569668"/>
+            <a:off x="0" y="550998"/>
+            <a:ext cx="9144000" cy="4592502"/>
           </a:xfrm>
           <a:prstGeom prst="rect">
             <a:avLst/>
@@ -3824,25 +4276,13 @@
     </p:spTree>
     <p:extLst>
       <p:ext uri="{BB962C8B-B14F-4D97-AF65-F5344CB8AC3E}">
-        <p14:creationId xmlns:p14="http://schemas.microsoft.com/office/powerpoint/2010/main" val="3695466713"/>
+        <p14:creationId xmlns:p14="http://schemas.microsoft.com/office/powerpoint/2010/main" val="3715091263"/>
       </p:ext>
     </p:extLst>
   </p:cSld>
   <p:clrMapOvr>
     <a:masterClrMapping/>
   </p:clrMapOvr>
-  <mc:AlternateContent xmlns:mc="http://schemas.openxmlformats.org/markup-compatibility/2006">
-    <mc:Choice xmlns:p14="http://schemas.microsoft.com/office/powerpoint/2010/main" Requires="p14">
-      <p:transition spd="med" p14:dur="700">
-        <p:fade/>
-      </p:transition>
-    </mc:Choice>
-    <mc:Fallback>
-      <p:transition spd="med">
-        <p:fade/>
-      </p:transition>
-    </mc:Fallback>
-  </mc:AlternateContent>
 </p:sld>
 </file>
 
@@ -3868,7 +4308,7 @@
           <p:cNvPr id="2" name="Title 1">
             <a:extLst>
               <a:ext uri="{FF2B5EF4-FFF2-40B4-BE49-F238E27FC236}">
-                <a16:creationId xmlns:a16="http://schemas.microsoft.com/office/drawing/2014/main" id="{9D24A09D-C4F4-4403-A82D-B9C135F5EDEE}"/>
+                <a16:creationId xmlns:a16="http://schemas.microsoft.com/office/drawing/2014/main" id="{E4CA1CD4-BCC6-4857-B284-FCAE726C1F7B}"/>
               </a:ext>
             </a:extLst>
           </p:cNvPr>
@@ -3893,7 +4333,7 @@
           <p:cNvPr id="4" name="Picture 3" descr="Graphical user interface, application, Word&#10;&#10;Description automatically generated">
             <a:extLst>
               <a:ext uri="{FF2B5EF4-FFF2-40B4-BE49-F238E27FC236}">
-                <a16:creationId xmlns:a16="http://schemas.microsoft.com/office/drawing/2014/main" id="{F841DA34-10BC-40A4-A69E-07407972DCFC}"/>
+                <a16:creationId xmlns:a16="http://schemas.microsoft.com/office/drawing/2014/main" id="{067F291E-120D-43C1-A0DD-29131DD97801}"/>
               </a:ext>
             </a:extLst>
           </p:cNvPr>
@@ -3910,8 +4350,8 @@
         </p:blipFill>
         <p:spPr>
           <a:xfrm>
-            <a:off x="0" y="573832"/>
-            <a:ext cx="9144000" cy="4569668"/>
+            <a:off x="0" y="550998"/>
+            <a:ext cx="9144000" cy="4592502"/>
           </a:xfrm>
           <a:prstGeom prst="rect">
             <a:avLst/>
@@ -3921,25 +4361,13 @@
     </p:spTree>
     <p:extLst>
       <p:ext uri="{BB962C8B-B14F-4D97-AF65-F5344CB8AC3E}">
-        <p14:creationId xmlns:p14="http://schemas.microsoft.com/office/powerpoint/2010/main" val="3218206797"/>
+        <p14:creationId xmlns:p14="http://schemas.microsoft.com/office/powerpoint/2010/main" val="243854727"/>
       </p:ext>
     </p:extLst>
   </p:cSld>
   <p:clrMapOvr>
     <a:masterClrMapping/>
   </p:clrMapOvr>
-  <mc:AlternateContent xmlns:mc="http://schemas.openxmlformats.org/markup-compatibility/2006">
-    <mc:Choice xmlns:p14="http://schemas.microsoft.com/office/powerpoint/2010/main" Requires="p14">
-      <p:transition spd="med" p14:dur="700">
-        <p:fade/>
-      </p:transition>
-    </mc:Choice>
-    <mc:Fallback>
-      <p:transition spd="med">
-        <p:fade/>
-      </p:transition>
-    </mc:Fallback>
-  </mc:AlternateContent>
 </p:sld>
 </file>
 
@@ -4025,13 +4453,13 @@
   <p:clrMapOvr>
     <a:masterClrMapping/>
   </p:clrMapOvr>
-  <mc:AlternateContent xmlns:mc="http://schemas.openxmlformats.org/markup-compatibility/2006">
-    <mc:Choice xmlns:p14="http://schemas.microsoft.com/office/powerpoint/2010/main" Requires="p14">
+  <mc:AlternateContent xmlns:mc="http://schemas.openxmlformats.org/markup-compatibility/2006" xmlns:p14="http://schemas.microsoft.com/office/powerpoint/2010/main">
+    <mc:Choice Requires="p14">
       <p:transition spd="med" p14:dur="700">
         <p:fade/>
       </p:transition>
     </mc:Choice>
-    <mc:Fallback>
+    <mc:Fallback xmlns="">
       <p:transition spd="med">
         <p:fade/>
       </p:transition>
@@ -4062,7 +4490,92 @@
           <p:cNvPr id="2" name="Title 1">
             <a:extLst>
               <a:ext uri="{FF2B5EF4-FFF2-40B4-BE49-F238E27FC236}">
-                <a16:creationId xmlns:a16="http://schemas.microsoft.com/office/drawing/2014/main" id="{B46C05BF-F606-4E37-94A9-EFD4240C3548}"/>
+                <a16:creationId xmlns:a16="http://schemas.microsoft.com/office/drawing/2014/main" id="{5CB4CE8F-6E92-467A-8473-546B567C520D}"/>
+              </a:ext>
+            </a:extLst>
+          </p:cNvPr>
+          <p:cNvSpPr>
+            <a:spLocks noGrp="1"/>
+          </p:cNvSpPr>
+          <p:nvPr>
+            <p:ph type="title"/>
+          </p:nvPr>
+        </p:nvSpPr>
+        <p:spPr/>
+        <p:txBody>
+          <a:bodyPr/>
+          <a:lstStyle/>
+          <a:p>
+            <a:endParaRPr lang="en-GB"/>
+          </a:p>
+        </p:txBody>
+      </p:sp>
+      <p:pic>
+        <p:nvPicPr>
+          <p:cNvPr id="6" name="Picture 5" descr="Graphical user interface, application, Word&#10;&#10;Description automatically generated">
+            <a:extLst>
+              <a:ext uri="{FF2B5EF4-FFF2-40B4-BE49-F238E27FC236}">
+                <a16:creationId xmlns:a16="http://schemas.microsoft.com/office/drawing/2014/main" id="{36FCCE9B-3308-418B-904B-538A9380ECE2}"/>
+              </a:ext>
+            </a:extLst>
+          </p:cNvPr>
+          <p:cNvPicPr>
+            <a:picLocks noChangeAspect="1"/>
+          </p:cNvPicPr>
+          <p:nvPr/>
+        </p:nvPicPr>
+        <p:blipFill>
+          <a:blip r:embed="rId2"/>
+          <a:stretch>
+            <a:fillRect/>
+          </a:stretch>
+        </p:blipFill>
+        <p:spPr>
+          <a:xfrm>
+            <a:off x="0" y="550998"/>
+            <a:ext cx="9144000" cy="4592502"/>
+          </a:xfrm>
+          <a:prstGeom prst="rect">
+            <a:avLst/>
+          </a:prstGeom>
+        </p:spPr>
+      </p:pic>
+    </p:spTree>
+    <p:extLst>
+      <p:ext uri="{BB962C8B-B14F-4D97-AF65-F5344CB8AC3E}">
+        <p14:creationId xmlns:p14="http://schemas.microsoft.com/office/powerpoint/2010/main" val="2261998927"/>
+      </p:ext>
+    </p:extLst>
+  </p:cSld>
+  <p:clrMapOvr>
+    <a:masterClrMapping/>
+  </p:clrMapOvr>
+</p:sld>
+</file>
+
+<file path=ppt/slides/slide21.xml><?xml version="1.0" encoding="utf-8"?>
+<p:sld xmlns:a="http://schemas.openxmlformats.org/drawingml/2006/main" xmlns:r="http://schemas.openxmlformats.org/officeDocument/2006/relationships" xmlns:p="http://schemas.openxmlformats.org/presentationml/2006/main">
+  <p:cSld>
+    <p:spTree>
+      <p:nvGrpSpPr>
+        <p:cNvPr id="1" name=""/>
+        <p:cNvGrpSpPr/>
+        <p:nvPr/>
+      </p:nvGrpSpPr>
+      <p:grpSpPr>
+        <a:xfrm>
+          <a:off x="0" y="0"/>
+          <a:ext cx="0" cy="0"/>
+          <a:chOff x="0" y="0"/>
+          <a:chExt cx="0" cy="0"/>
+        </a:xfrm>
+      </p:grpSpPr>
+      <p:sp>
+        <p:nvSpPr>
+          <p:cNvPr id="2" name="Title 1">
+            <a:extLst>
+              <a:ext uri="{FF2B5EF4-FFF2-40B4-BE49-F238E27FC236}">
+                <a16:creationId xmlns:a16="http://schemas.microsoft.com/office/drawing/2014/main" id="{AC5B04EE-1386-49D0-AD6D-CDC896A80B78}"/>
               </a:ext>
             </a:extLst>
           </p:cNvPr>
@@ -4087,7 +4600,7 @@
           <p:cNvPr id="4" name="Picture 3" descr="Graphical user interface, application, Word&#10;&#10;Description automatically generated">
             <a:extLst>
               <a:ext uri="{FF2B5EF4-FFF2-40B4-BE49-F238E27FC236}">
-                <a16:creationId xmlns:a16="http://schemas.microsoft.com/office/drawing/2014/main" id="{B1A48B0E-9E3D-490C-BA3D-90AB268E571B}"/>
+                <a16:creationId xmlns:a16="http://schemas.microsoft.com/office/drawing/2014/main" id="{47086AB3-92E3-475D-A264-A204C79E1C06}"/>
               </a:ext>
             </a:extLst>
           </p:cNvPr>
@@ -4104,8 +4617,8 @@
         </p:blipFill>
         <p:spPr>
           <a:xfrm>
-            <a:off x="0" y="573832"/>
-            <a:ext cx="9144000" cy="4569668"/>
+            <a:off x="0" y="550998"/>
+            <a:ext cx="9144000" cy="4592502"/>
           </a:xfrm>
           <a:prstGeom prst="rect">
             <a:avLst/>
@@ -4115,25 +4628,299 @@
     </p:spTree>
     <p:extLst>
       <p:ext uri="{BB962C8B-B14F-4D97-AF65-F5344CB8AC3E}">
-        <p14:creationId xmlns:p14="http://schemas.microsoft.com/office/powerpoint/2010/main" val="4200291654"/>
+        <p14:creationId xmlns:p14="http://schemas.microsoft.com/office/powerpoint/2010/main" val="709088685"/>
       </p:ext>
     </p:extLst>
   </p:cSld>
   <p:clrMapOvr>
     <a:masterClrMapping/>
   </p:clrMapOvr>
-  <mc:AlternateContent xmlns:mc="http://schemas.openxmlformats.org/markup-compatibility/2006">
-    <mc:Choice xmlns:p14="http://schemas.microsoft.com/office/powerpoint/2010/main" Requires="p14">
-      <p:transition spd="med" p14:dur="700">
-        <p:fade/>
-      </p:transition>
-    </mc:Choice>
-    <mc:Fallback>
-      <p:transition spd="med">
-        <p:fade/>
-      </p:transition>
-    </mc:Fallback>
-  </mc:AlternateContent>
+</p:sld>
+</file>
+
+<file path=ppt/slides/slide22.xml><?xml version="1.0" encoding="utf-8"?>
+<p:sld xmlns:a="http://schemas.openxmlformats.org/drawingml/2006/main" xmlns:r="http://schemas.openxmlformats.org/officeDocument/2006/relationships" xmlns:p="http://schemas.openxmlformats.org/presentationml/2006/main">
+  <p:cSld>
+    <p:spTree>
+      <p:nvGrpSpPr>
+        <p:cNvPr id="1" name=""/>
+        <p:cNvGrpSpPr/>
+        <p:nvPr/>
+      </p:nvGrpSpPr>
+      <p:grpSpPr>
+        <a:xfrm>
+          <a:off x="0" y="0"/>
+          <a:ext cx="0" cy="0"/>
+          <a:chOff x="0" y="0"/>
+          <a:chExt cx="0" cy="0"/>
+        </a:xfrm>
+      </p:grpSpPr>
+      <p:sp>
+        <p:nvSpPr>
+          <p:cNvPr id="2" name="Title 1">
+            <a:extLst>
+              <a:ext uri="{FF2B5EF4-FFF2-40B4-BE49-F238E27FC236}">
+                <a16:creationId xmlns:a16="http://schemas.microsoft.com/office/drawing/2014/main" id="{F41FCD29-F45F-4CB6-8967-8C5A9A13D2EC}"/>
+              </a:ext>
+            </a:extLst>
+          </p:cNvPr>
+          <p:cNvSpPr>
+            <a:spLocks noGrp="1"/>
+          </p:cNvSpPr>
+          <p:nvPr>
+            <p:ph type="title"/>
+          </p:nvPr>
+        </p:nvSpPr>
+        <p:spPr/>
+        <p:txBody>
+          <a:bodyPr/>
+          <a:lstStyle/>
+          <a:p>
+            <a:endParaRPr lang="en-GB"/>
+          </a:p>
+        </p:txBody>
+      </p:sp>
+      <p:pic>
+        <p:nvPicPr>
+          <p:cNvPr id="4" name="Picture 3" descr="Graphical user interface, application, Word&#10;&#10;Description automatically generated">
+            <a:extLst>
+              <a:ext uri="{FF2B5EF4-FFF2-40B4-BE49-F238E27FC236}">
+                <a16:creationId xmlns:a16="http://schemas.microsoft.com/office/drawing/2014/main" id="{61F670EA-9988-4402-93F2-65B6611A3BD6}"/>
+              </a:ext>
+            </a:extLst>
+          </p:cNvPr>
+          <p:cNvPicPr>
+            <a:picLocks noChangeAspect="1"/>
+          </p:cNvPicPr>
+          <p:nvPr/>
+        </p:nvPicPr>
+        <p:blipFill>
+          <a:blip r:embed="rId2"/>
+          <a:stretch>
+            <a:fillRect/>
+          </a:stretch>
+        </p:blipFill>
+        <p:spPr>
+          <a:xfrm>
+            <a:off x="0" y="550998"/>
+            <a:ext cx="9144000" cy="4592502"/>
+          </a:xfrm>
+          <a:prstGeom prst="rect">
+            <a:avLst/>
+          </a:prstGeom>
+        </p:spPr>
+      </p:pic>
+    </p:spTree>
+    <p:extLst>
+      <p:ext uri="{BB962C8B-B14F-4D97-AF65-F5344CB8AC3E}">
+        <p14:creationId xmlns:p14="http://schemas.microsoft.com/office/powerpoint/2010/main" val="2085010066"/>
+      </p:ext>
+    </p:extLst>
+  </p:cSld>
+  <p:clrMapOvr>
+    <a:masterClrMapping/>
+  </p:clrMapOvr>
+</p:sld>
+</file>
+
+<file path=ppt/slides/slide23.xml><?xml version="1.0" encoding="utf-8"?>
+<p:sld xmlns:a="http://schemas.openxmlformats.org/drawingml/2006/main" xmlns:r="http://schemas.openxmlformats.org/officeDocument/2006/relationships" xmlns:p="http://schemas.openxmlformats.org/presentationml/2006/main">
+  <p:cSld>
+    <p:spTree>
+      <p:nvGrpSpPr>
+        <p:cNvPr id="1" name=""/>
+        <p:cNvGrpSpPr/>
+        <p:nvPr/>
+      </p:nvGrpSpPr>
+      <p:grpSpPr>
+        <a:xfrm>
+          <a:off x="0" y="0"/>
+          <a:ext cx="0" cy="0"/>
+          <a:chOff x="0" y="0"/>
+          <a:chExt cx="0" cy="0"/>
+        </a:xfrm>
+      </p:grpSpPr>
+      <p:sp>
+        <p:nvSpPr>
+          <p:cNvPr id="2" name="Title 1">
+            <a:extLst>
+              <a:ext uri="{FF2B5EF4-FFF2-40B4-BE49-F238E27FC236}">
+                <a16:creationId xmlns:a16="http://schemas.microsoft.com/office/drawing/2014/main" id="{375627B4-74DD-4C8D-8EA1-E803BADE5D75}"/>
+              </a:ext>
+            </a:extLst>
+          </p:cNvPr>
+          <p:cNvSpPr>
+            <a:spLocks noGrp="1"/>
+          </p:cNvSpPr>
+          <p:nvPr>
+            <p:ph type="title"/>
+          </p:nvPr>
+        </p:nvSpPr>
+        <p:spPr/>
+        <p:txBody>
+          <a:bodyPr/>
+          <a:lstStyle/>
+          <a:p>
+            <a:endParaRPr lang="en-GB"/>
+          </a:p>
+        </p:txBody>
+      </p:sp>
+      <p:pic>
+        <p:nvPicPr>
+          <p:cNvPr id="4" name="Picture 3" descr="Graphical user interface, application, Word&#10;&#10;Description automatically generated">
+            <a:extLst>
+              <a:ext uri="{FF2B5EF4-FFF2-40B4-BE49-F238E27FC236}">
+                <a16:creationId xmlns:a16="http://schemas.microsoft.com/office/drawing/2014/main" id="{705D29F6-9920-4633-9577-FB77BE43C160}"/>
+              </a:ext>
+            </a:extLst>
+          </p:cNvPr>
+          <p:cNvPicPr>
+            <a:picLocks noChangeAspect="1"/>
+          </p:cNvPicPr>
+          <p:nvPr/>
+        </p:nvPicPr>
+        <p:blipFill>
+          <a:blip r:embed="rId2"/>
+          <a:stretch>
+            <a:fillRect/>
+          </a:stretch>
+        </p:blipFill>
+        <p:spPr>
+          <a:xfrm>
+            <a:off x="0" y="550998"/>
+            <a:ext cx="9144000" cy="4592502"/>
+          </a:xfrm>
+          <a:prstGeom prst="rect">
+            <a:avLst/>
+          </a:prstGeom>
+        </p:spPr>
+      </p:pic>
+    </p:spTree>
+    <p:extLst>
+      <p:ext uri="{BB962C8B-B14F-4D97-AF65-F5344CB8AC3E}">
+        <p14:creationId xmlns:p14="http://schemas.microsoft.com/office/powerpoint/2010/main" val="3518857750"/>
+      </p:ext>
+    </p:extLst>
+  </p:cSld>
+  <p:clrMapOvr>
+    <a:masterClrMapping/>
+  </p:clrMapOvr>
+</p:sld>
+</file>
+
+<file path=ppt/slides/slide24.xml><?xml version="1.0" encoding="utf-8"?>
+<p:sld xmlns:a="http://schemas.openxmlformats.org/drawingml/2006/main" xmlns:r="http://schemas.openxmlformats.org/officeDocument/2006/relationships" xmlns:p="http://schemas.openxmlformats.org/presentationml/2006/main">
+  <p:cSld>
+    <p:spTree>
+      <p:nvGrpSpPr>
+        <p:cNvPr id="1" name="Shape 72"/>
+        <p:cNvGrpSpPr/>
+        <p:nvPr/>
+      </p:nvGrpSpPr>
+      <p:grpSpPr>
+        <a:xfrm>
+          <a:off x="0" y="0"/>
+          <a:ext cx="0" cy="0"/>
+          <a:chOff x="0" y="0"/>
+          <a:chExt cx="0" cy="0"/>
+        </a:xfrm>
+      </p:grpSpPr>
+      <p:sp>
+        <p:nvSpPr>
+          <p:cNvPr id="73" name="Google Shape;73;p15"/>
+          <p:cNvSpPr txBox="1">
+            <a:spLocks noGrp="1"/>
+          </p:cNvSpPr>
+          <p:nvPr>
+            <p:ph type="title"/>
+          </p:nvPr>
+        </p:nvSpPr>
+        <p:spPr>
+          <a:xfrm>
+            <a:off x="311700" y="690750"/>
+            <a:ext cx="8520600" cy="572700"/>
+          </a:xfrm>
+          <a:prstGeom prst="rect">
+            <a:avLst/>
+          </a:prstGeom>
+        </p:spPr>
+        <p:txBody>
+          <a:bodyPr spcFirstLastPara="1" wrap="square" lIns="91425" tIns="91425" rIns="91425" bIns="91425" anchor="t" anchorCtr="0">
+            <a:noAutofit/>
+          </a:bodyPr>
+          <a:lstStyle/>
+          <a:p>
+            <a:pPr marL="0" lvl="0" indent="0" algn="l" rtl="0">
+              <a:spcBef>
+                <a:spcPts val="0"/>
+              </a:spcBef>
+              <a:spcAft>
+                <a:spcPts val="0"/>
+              </a:spcAft>
+              <a:buNone/>
+            </a:pPr>
+            <a:r>
+              <a:rPr lang="en-US" dirty="0"/>
+              <a:t>Beware!</a:t>
+            </a:r>
+            <a:endParaRPr dirty="0"/>
+          </a:p>
+        </p:txBody>
+      </p:sp>
+      <p:sp>
+        <p:nvSpPr>
+          <p:cNvPr id="74" name="Google Shape;74;p15"/>
+          <p:cNvSpPr txBox="1">
+            <a:spLocks noGrp="1"/>
+          </p:cNvSpPr>
+          <p:nvPr>
+            <p:ph type="body" idx="1"/>
+          </p:nvPr>
+        </p:nvSpPr>
+        <p:spPr>
+          <a:xfrm>
+            <a:off x="311700" y="1381500"/>
+            <a:ext cx="8520600" cy="3416400"/>
+          </a:xfrm>
+          <a:prstGeom prst="rect">
+            <a:avLst/>
+          </a:prstGeom>
+        </p:spPr>
+        <p:txBody>
+          <a:bodyPr spcFirstLastPara="1" wrap="square" lIns="91425" tIns="91425" rIns="91425" bIns="91425" anchor="t" anchorCtr="0">
+            <a:noAutofit/>
+          </a:bodyPr>
+          <a:lstStyle/>
+          <a:p>
+            <a:pPr marL="285750" indent="-285750">
+              <a:spcAft>
+                <a:spcPts val="1600"/>
+              </a:spcAft>
+            </a:pPr>
+            <a:r>
+              <a:rPr lang="en-US" dirty="0"/>
+              <a:t>Pulling large amounts of data into R or python from MongoDB might cause out of memory errors. </a:t>
+            </a:r>
+          </a:p>
+          <a:p>
+            <a:pPr marL="285750" indent="-285750">
+              <a:spcAft>
+                <a:spcPts val="1600"/>
+              </a:spcAft>
+            </a:pPr>
+            <a:r>
+              <a:rPr lang="en-US" dirty="0"/>
+              <a:t>It’s usually better to use Aggregation to summarize data before bringing it across </a:t>
+            </a:r>
+            <a:endParaRPr dirty="0"/>
+          </a:p>
+        </p:txBody>
+      </p:sp>
+    </p:spTree>
+  </p:cSld>
+  <p:clrMapOvr>
+    <a:masterClrMapping/>
+  </p:clrMapOvr>
 </p:sld>
 </file>
 
@@ -4219,13 +5006,13 @@
   <p:clrMapOvr>
     <a:masterClrMapping/>
   </p:clrMapOvr>
-  <mc:AlternateContent xmlns:mc="http://schemas.openxmlformats.org/markup-compatibility/2006">
-    <mc:Choice xmlns:p14="http://schemas.microsoft.com/office/powerpoint/2010/main" Requires="p14">
+  <mc:AlternateContent xmlns:mc="http://schemas.openxmlformats.org/markup-compatibility/2006" xmlns:p14="http://schemas.microsoft.com/office/powerpoint/2010/main">
+    <mc:Choice Requires="p14">
       <p:transition spd="med" p14:dur="700">
         <p:fade/>
       </p:transition>
     </mc:Choice>
-    <mc:Fallback>
+    <mc:Fallback xmlns="">
       <p:transition spd="med">
         <p:fade/>
       </p:transition>
@@ -4298,7 +5085,7 @@
         </p:blipFill>
         <p:spPr>
           <a:xfrm>
-            <a:off x="0" y="235385"/>
+            <a:off x="0" y="470771"/>
             <a:ext cx="9144000" cy="4672729"/>
           </a:xfrm>
           <a:prstGeom prst="rect">
@@ -4383,7 +5170,7 @@
         </p:blipFill>
         <p:spPr>
           <a:xfrm>
-            <a:off x="0" y="235385"/>
+            <a:off x="0" y="470771"/>
             <a:ext cx="9144000" cy="4672729"/>
           </a:xfrm>
           <a:prstGeom prst="rect">
@@ -4468,8 +5255,128 @@
         </p:blipFill>
         <p:spPr>
           <a:xfrm>
-            <a:off x="0" y="470771"/>
+            <a:off x="0" y="490301"/>
             <a:ext cx="9144000" cy="4672729"/>
+          </a:xfrm>
+          <a:prstGeom prst="rect">
+            <a:avLst/>
+          </a:prstGeom>
+        </p:spPr>
+      </p:pic>
+      <p:pic>
+        <p:nvPicPr>
+          <p:cNvPr id="4" name="Picture 3">
+            <a:extLst>
+              <a:ext uri="{FF2B5EF4-FFF2-40B4-BE49-F238E27FC236}">
+                <a16:creationId xmlns:a16="http://schemas.microsoft.com/office/drawing/2014/main" id="{1681B97D-45B8-E84C-92EF-E61341F7D0A3}"/>
+              </a:ext>
+            </a:extLst>
+          </p:cNvPr>
+          <p:cNvPicPr>
+            <a:picLocks noChangeAspect="1"/>
+          </p:cNvPicPr>
+          <p:nvPr/>
+        </p:nvPicPr>
+        <p:blipFill>
+          <a:blip r:embed="rId3"/>
+          <a:stretch>
+            <a:fillRect/>
+          </a:stretch>
+        </p:blipFill>
+        <p:spPr>
+          <a:xfrm>
+            <a:off x="246503" y="1217176"/>
+            <a:ext cx="1084569" cy="195578"/>
+          </a:xfrm>
+          <a:prstGeom prst="rect">
+            <a:avLst/>
+          </a:prstGeom>
+        </p:spPr>
+      </p:pic>
+      <p:pic>
+        <p:nvPicPr>
+          <p:cNvPr id="5" name="Picture 4">
+            <a:extLst>
+              <a:ext uri="{FF2B5EF4-FFF2-40B4-BE49-F238E27FC236}">
+                <a16:creationId xmlns:a16="http://schemas.microsoft.com/office/drawing/2014/main" id="{BFCD555A-00C0-404C-A083-1635C8D72B3C}"/>
+              </a:ext>
+            </a:extLst>
+          </p:cNvPr>
+          <p:cNvPicPr>
+            <a:picLocks noChangeAspect="1"/>
+          </p:cNvPicPr>
+          <p:nvPr/>
+        </p:nvPicPr>
+        <p:blipFill>
+          <a:blip r:embed="rId3"/>
+          <a:stretch>
+            <a:fillRect/>
+          </a:stretch>
+        </p:blipFill>
+        <p:spPr>
+          <a:xfrm>
+            <a:off x="214305" y="1483429"/>
+            <a:ext cx="5031689" cy="195578"/>
+          </a:xfrm>
+          <a:prstGeom prst="rect">
+            <a:avLst/>
+          </a:prstGeom>
+        </p:spPr>
+      </p:pic>
+      <p:pic>
+        <p:nvPicPr>
+          <p:cNvPr id="7" name="Picture 6">
+            <a:extLst>
+              <a:ext uri="{FF2B5EF4-FFF2-40B4-BE49-F238E27FC236}">
+                <a16:creationId xmlns:a16="http://schemas.microsoft.com/office/drawing/2014/main" id="{F3C391F7-5CE1-3B49-8BDD-C9BB04AF392A}"/>
+              </a:ext>
+            </a:extLst>
+          </p:cNvPr>
+          <p:cNvPicPr>
+            <a:picLocks noChangeAspect="1"/>
+          </p:cNvPicPr>
+          <p:nvPr/>
+        </p:nvPicPr>
+        <p:blipFill>
+          <a:blip r:embed="rId3"/>
+          <a:stretch>
+            <a:fillRect/>
+          </a:stretch>
+        </p:blipFill>
+        <p:spPr>
+          <a:xfrm>
+            <a:off x="242211" y="1765627"/>
+            <a:ext cx="2492404" cy="154824"/>
+          </a:xfrm>
+          <a:prstGeom prst="rect">
+            <a:avLst/>
+          </a:prstGeom>
+        </p:spPr>
+      </p:pic>
+      <p:pic>
+        <p:nvPicPr>
+          <p:cNvPr id="8" name="Picture 7">
+            <a:extLst>
+              <a:ext uri="{FF2B5EF4-FFF2-40B4-BE49-F238E27FC236}">
+                <a16:creationId xmlns:a16="http://schemas.microsoft.com/office/drawing/2014/main" id="{54F4E098-93C1-0A4F-8BD8-859F94A4D0CC}"/>
+              </a:ext>
+            </a:extLst>
+          </p:cNvPr>
+          <p:cNvPicPr>
+            <a:picLocks noChangeAspect="1"/>
+          </p:cNvPicPr>
+          <p:nvPr/>
+        </p:nvPicPr>
+        <p:blipFill>
+          <a:blip r:embed="rId3"/>
+          <a:stretch>
+            <a:fillRect/>
+          </a:stretch>
+        </p:blipFill>
+        <p:spPr>
+          <a:xfrm>
+            <a:off x="242211" y="1912913"/>
+            <a:ext cx="1520049" cy="154824"/>
           </a:xfrm>
           <a:prstGeom prst="rect">
             <a:avLst/>
@@ -4486,18 +5393,354 @@
   <p:clrMapOvr>
     <a:masterClrMapping/>
   </p:clrMapOvr>
-  <mc:AlternateContent xmlns:mc="http://schemas.openxmlformats.org/markup-compatibility/2006">
-    <mc:Choice xmlns:p14="http://schemas.microsoft.com/office/powerpoint/2010/main" Requires="p14">
+  <mc:AlternateContent xmlns:mc="http://schemas.openxmlformats.org/markup-compatibility/2006" xmlns:p14="http://schemas.microsoft.com/office/powerpoint/2010/main">
+    <mc:Choice Requires="p14">
       <p:transition spd="med" p14:dur="700">
         <p:fade/>
       </p:transition>
     </mc:Choice>
-    <mc:Fallback>
+    <mc:Fallback xmlns="">
       <p:transition spd="med">
         <p:fade/>
       </p:transition>
     </mc:Fallback>
   </mc:AlternateContent>
+  <p:timing>
+    <p:tnLst>
+      <p:par>
+        <p:cTn id="1" dur="indefinite" restart="never" nodeType="tmRoot">
+          <p:childTnLst>
+            <p:seq concurrent="1" nextAc="seek">
+              <p:cTn id="2" dur="indefinite" nodeType="mainSeq">
+                <p:childTnLst>
+                  <p:par>
+                    <p:cTn id="3" fill="hold">
+                      <p:stCondLst>
+                        <p:cond delay="indefinite"/>
+                      </p:stCondLst>
+                      <p:childTnLst>
+                        <p:par>
+                          <p:cTn id="4" fill="hold">
+                            <p:stCondLst>
+                              <p:cond delay="0"/>
+                            </p:stCondLst>
+                            <p:childTnLst>
+                              <p:par>
+                                <p:cTn id="5" presetID="1" presetClass="entr" presetSubtype="0" fill="hold" nodeType="clickEffect">
+                                  <p:stCondLst>
+                                    <p:cond delay="0"/>
+                                  </p:stCondLst>
+                                  <p:childTnLst>
+                                    <p:set>
+                                      <p:cBhvr>
+                                        <p:cTn id="6" dur="1" fill="hold">
+                                          <p:stCondLst>
+                                            <p:cond delay="0"/>
+                                          </p:stCondLst>
+                                        </p:cTn>
+                                        <p:tgtEl>
+                                          <p:spTgt spid="4"/>
+                                        </p:tgtEl>
+                                        <p:attrNameLst>
+                                          <p:attrName>style.visibility</p:attrName>
+                                        </p:attrNameLst>
+                                      </p:cBhvr>
+                                      <p:to>
+                                        <p:strVal val="visible"/>
+                                      </p:to>
+                                    </p:set>
+                                  </p:childTnLst>
+                                </p:cTn>
+                              </p:par>
+                            </p:childTnLst>
+                          </p:cTn>
+                        </p:par>
+                      </p:childTnLst>
+                    </p:cTn>
+                  </p:par>
+                  <p:par>
+                    <p:cTn id="7" fill="hold">
+                      <p:stCondLst>
+                        <p:cond delay="indefinite"/>
+                      </p:stCondLst>
+                      <p:childTnLst>
+                        <p:par>
+                          <p:cTn id="8" fill="hold">
+                            <p:stCondLst>
+                              <p:cond delay="0"/>
+                            </p:stCondLst>
+                            <p:childTnLst>
+                              <p:par>
+                                <p:cTn id="9" presetID="1" presetClass="exit" presetSubtype="0" fill="hold" nodeType="clickEffect">
+                                  <p:stCondLst>
+                                    <p:cond delay="0"/>
+                                  </p:stCondLst>
+                                  <p:childTnLst>
+                                    <p:set>
+                                      <p:cBhvr>
+                                        <p:cTn id="10" dur="1" fill="hold">
+                                          <p:stCondLst>
+                                            <p:cond delay="0"/>
+                                          </p:stCondLst>
+                                        </p:cTn>
+                                        <p:tgtEl>
+                                          <p:spTgt spid="4"/>
+                                        </p:tgtEl>
+                                        <p:attrNameLst>
+                                          <p:attrName>style.visibility</p:attrName>
+                                        </p:attrNameLst>
+                                      </p:cBhvr>
+                                      <p:to>
+                                        <p:strVal val="hidden"/>
+                                      </p:to>
+                                    </p:set>
+                                  </p:childTnLst>
+                                </p:cTn>
+                              </p:par>
+                              <p:par>
+                                <p:cTn id="11" presetID="1" presetClass="entr" presetSubtype="0" fill="hold" nodeType="withEffect">
+                                  <p:stCondLst>
+                                    <p:cond delay="0"/>
+                                  </p:stCondLst>
+                                  <p:childTnLst>
+                                    <p:set>
+                                      <p:cBhvr>
+                                        <p:cTn id="12" dur="1" fill="hold">
+                                          <p:stCondLst>
+                                            <p:cond delay="0"/>
+                                          </p:stCondLst>
+                                        </p:cTn>
+                                        <p:tgtEl>
+                                          <p:spTgt spid="5"/>
+                                        </p:tgtEl>
+                                        <p:attrNameLst>
+                                          <p:attrName>style.visibility</p:attrName>
+                                        </p:attrNameLst>
+                                      </p:cBhvr>
+                                      <p:to>
+                                        <p:strVal val="visible"/>
+                                      </p:to>
+                                    </p:set>
+                                  </p:childTnLst>
+                                </p:cTn>
+                              </p:par>
+                            </p:childTnLst>
+                          </p:cTn>
+                        </p:par>
+                      </p:childTnLst>
+                    </p:cTn>
+                  </p:par>
+                  <p:par>
+                    <p:cTn id="13" fill="hold">
+                      <p:stCondLst>
+                        <p:cond delay="indefinite"/>
+                      </p:stCondLst>
+                      <p:childTnLst>
+                        <p:par>
+                          <p:cTn id="14" fill="hold">
+                            <p:stCondLst>
+                              <p:cond delay="0"/>
+                            </p:stCondLst>
+                            <p:childTnLst>
+                              <p:par>
+                                <p:cTn id="15" presetID="1" presetClass="exit" presetSubtype="0" fill="hold" nodeType="clickEffect">
+                                  <p:stCondLst>
+                                    <p:cond delay="0"/>
+                                  </p:stCondLst>
+                                  <p:childTnLst>
+                                    <p:set>
+                                      <p:cBhvr>
+                                        <p:cTn id="16" dur="1" fill="hold">
+                                          <p:stCondLst>
+                                            <p:cond delay="0"/>
+                                          </p:stCondLst>
+                                        </p:cTn>
+                                        <p:tgtEl>
+                                          <p:spTgt spid="5"/>
+                                        </p:tgtEl>
+                                        <p:attrNameLst>
+                                          <p:attrName>style.visibility</p:attrName>
+                                        </p:attrNameLst>
+                                      </p:cBhvr>
+                                      <p:to>
+                                        <p:strVal val="hidden"/>
+                                      </p:to>
+                                    </p:set>
+                                  </p:childTnLst>
+                                </p:cTn>
+                              </p:par>
+                              <p:par>
+                                <p:cTn id="17" presetID="1" presetClass="entr" presetSubtype="0" fill="hold" nodeType="withEffect">
+                                  <p:stCondLst>
+                                    <p:cond delay="0"/>
+                                  </p:stCondLst>
+                                  <p:childTnLst>
+                                    <p:set>
+                                      <p:cBhvr>
+                                        <p:cTn id="18" dur="1" fill="hold">
+                                          <p:stCondLst>
+                                            <p:cond delay="0"/>
+                                          </p:stCondLst>
+                                        </p:cTn>
+                                        <p:tgtEl>
+                                          <p:spTgt spid="7"/>
+                                        </p:tgtEl>
+                                        <p:attrNameLst>
+                                          <p:attrName>style.visibility</p:attrName>
+                                        </p:attrNameLst>
+                                      </p:cBhvr>
+                                      <p:to>
+                                        <p:strVal val="visible"/>
+                                      </p:to>
+                                    </p:set>
+                                  </p:childTnLst>
+                                </p:cTn>
+                              </p:par>
+                            </p:childTnLst>
+                          </p:cTn>
+                        </p:par>
+                      </p:childTnLst>
+                    </p:cTn>
+                  </p:par>
+                  <p:par>
+                    <p:cTn id="19" fill="hold">
+                      <p:stCondLst>
+                        <p:cond delay="indefinite"/>
+                      </p:stCondLst>
+                      <p:childTnLst>
+                        <p:par>
+                          <p:cTn id="20" fill="hold">
+                            <p:stCondLst>
+                              <p:cond delay="0"/>
+                            </p:stCondLst>
+                            <p:childTnLst>
+                              <p:par>
+                                <p:cTn id="21" presetID="1" presetClass="exit" presetSubtype="0" fill="hold" nodeType="clickEffect">
+                                  <p:stCondLst>
+                                    <p:cond delay="0"/>
+                                  </p:stCondLst>
+                                  <p:childTnLst>
+                                    <p:set>
+                                      <p:cBhvr>
+                                        <p:cTn id="22" dur="1" fill="hold">
+                                          <p:stCondLst>
+                                            <p:cond delay="0"/>
+                                          </p:stCondLst>
+                                        </p:cTn>
+                                        <p:tgtEl>
+                                          <p:spTgt spid="7"/>
+                                        </p:tgtEl>
+                                        <p:attrNameLst>
+                                          <p:attrName>style.visibility</p:attrName>
+                                        </p:attrNameLst>
+                                      </p:cBhvr>
+                                      <p:to>
+                                        <p:strVal val="hidden"/>
+                                      </p:to>
+                                    </p:set>
+                                  </p:childTnLst>
+                                </p:cTn>
+                              </p:par>
+                              <p:par>
+                                <p:cTn id="23" presetID="1" presetClass="entr" presetSubtype="0" fill="hold" nodeType="withEffect">
+                                  <p:stCondLst>
+                                    <p:cond delay="0"/>
+                                  </p:stCondLst>
+                                  <p:childTnLst>
+                                    <p:set>
+                                      <p:cBhvr>
+                                        <p:cTn id="24" dur="1" fill="hold">
+                                          <p:stCondLst>
+                                            <p:cond delay="0"/>
+                                          </p:stCondLst>
+                                        </p:cTn>
+                                        <p:tgtEl>
+                                          <p:spTgt spid="8"/>
+                                        </p:tgtEl>
+                                        <p:attrNameLst>
+                                          <p:attrName>style.visibility</p:attrName>
+                                        </p:attrNameLst>
+                                      </p:cBhvr>
+                                      <p:to>
+                                        <p:strVal val="visible"/>
+                                      </p:to>
+                                    </p:set>
+                                  </p:childTnLst>
+                                </p:cTn>
+                              </p:par>
+                            </p:childTnLst>
+                          </p:cTn>
+                        </p:par>
+                      </p:childTnLst>
+                    </p:cTn>
+                  </p:par>
+                  <p:par>
+                    <p:cTn id="25" fill="hold">
+                      <p:stCondLst>
+                        <p:cond delay="indefinite"/>
+                      </p:stCondLst>
+                      <p:childTnLst>
+                        <p:par>
+                          <p:cTn id="26" fill="hold">
+                            <p:stCondLst>
+                              <p:cond delay="0"/>
+                            </p:stCondLst>
+                            <p:childTnLst>
+                              <p:par>
+                                <p:cTn id="27" presetID="1" presetClass="exit" presetSubtype="0" fill="hold" nodeType="clickEffect">
+                                  <p:stCondLst>
+                                    <p:cond delay="0"/>
+                                  </p:stCondLst>
+                                  <p:childTnLst>
+                                    <p:set>
+                                      <p:cBhvr>
+                                        <p:cTn id="28" dur="1" fill="hold">
+                                          <p:stCondLst>
+                                            <p:cond delay="0"/>
+                                          </p:stCondLst>
+                                        </p:cTn>
+                                        <p:tgtEl>
+                                          <p:spTgt spid="8"/>
+                                        </p:tgtEl>
+                                        <p:attrNameLst>
+                                          <p:attrName>style.visibility</p:attrName>
+                                        </p:attrNameLst>
+                                      </p:cBhvr>
+                                      <p:to>
+                                        <p:strVal val="hidden"/>
+                                      </p:to>
+                                    </p:set>
+                                  </p:childTnLst>
+                                </p:cTn>
+                              </p:par>
+                            </p:childTnLst>
+                          </p:cTn>
+                        </p:par>
+                      </p:childTnLst>
+                    </p:cTn>
+                  </p:par>
+                </p:childTnLst>
+              </p:cTn>
+              <p:prevCondLst>
+                <p:cond evt="onPrev" delay="0">
+                  <p:tgtEl>
+                    <p:sldTgt/>
+                  </p:tgtEl>
+                </p:cond>
+              </p:prevCondLst>
+              <p:nextCondLst>
+                <p:cond evt="onNext" delay="0">
+                  <p:tgtEl>
+                    <p:sldTgt/>
+                  </p:tgtEl>
+                </p:cond>
+              </p:nextCondLst>
+            </p:seq>
+          </p:childTnLst>
+        </p:cTn>
+      </p:par>
+    </p:tnLst>
+  </p:timing>
 </p:sld>
 </file>
 
@@ -4573,6 +5816,90 @@
           </a:prstGeom>
         </p:spPr>
       </p:pic>
+      <p:sp>
+        <p:nvSpPr>
+          <p:cNvPr id="3" name="Rectangle 2">
+            <a:extLst>
+              <a:ext uri="{FF2B5EF4-FFF2-40B4-BE49-F238E27FC236}">
+                <a16:creationId xmlns:a16="http://schemas.microsoft.com/office/drawing/2014/main" id="{2A417343-AE1D-9B4B-A1A3-9445ED64A56C}"/>
+              </a:ext>
+            </a:extLst>
+          </p:cNvPr>
+          <p:cNvSpPr/>
+          <p:nvPr/>
+        </p:nvSpPr>
+        <p:spPr>
+          <a:xfrm>
+            <a:off x="2120533" y="1499535"/>
+            <a:ext cx="490931" cy="151033"/>
+          </a:xfrm>
+          <a:prstGeom prst="rect">
+            <a:avLst/>
+          </a:prstGeom>
+          <a:solidFill>
+            <a:schemeClr val="bg2">
+              <a:alpha val="88751"/>
+            </a:schemeClr>
+          </a:solidFill>
+          <a:ln>
+            <a:noFill/>
+          </a:ln>
+        </p:spPr>
+        <p:style>
+          <a:lnRef idx="2">
+            <a:schemeClr val="accent1">
+              <a:shade val="50000"/>
+            </a:schemeClr>
+          </a:lnRef>
+          <a:fillRef idx="1">
+            <a:schemeClr val="accent1"/>
+          </a:fillRef>
+          <a:effectRef idx="0">
+            <a:schemeClr val="accent1"/>
+          </a:effectRef>
+          <a:fontRef idx="minor">
+            <a:schemeClr val="lt1"/>
+          </a:fontRef>
+        </p:style>
+        <p:txBody>
+          <a:bodyPr rtlCol="0" anchor="ctr"/>
+          <a:lstStyle/>
+          <a:p>
+            <a:pPr algn="ctr"/>
+            <a:endParaRPr lang="en-US"/>
+          </a:p>
+        </p:txBody>
+      </p:sp>
+      <p:pic>
+        <p:nvPicPr>
+          <p:cNvPr id="5" name="Picture 4">
+            <a:extLst>
+              <a:ext uri="{FF2B5EF4-FFF2-40B4-BE49-F238E27FC236}">
+                <a16:creationId xmlns:a16="http://schemas.microsoft.com/office/drawing/2014/main" id="{4CB02BFC-DB13-3747-BC81-96229CB0021A}"/>
+              </a:ext>
+            </a:extLst>
+          </p:cNvPr>
+          <p:cNvPicPr>
+            <a:picLocks noChangeAspect="1"/>
+          </p:cNvPicPr>
+          <p:nvPr/>
+        </p:nvPicPr>
+        <p:blipFill>
+          <a:blip r:embed="rId3"/>
+          <a:stretch>
+            <a:fillRect/>
+          </a:stretch>
+        </p:blipFill>
+        <p:spPr>
+          <a:xfrm>
+            <a:off x="1035964" y="2526528"/>
+            <a:ext cx="1136273" cy="195578"/>
+          </a:xfrm>
+          <a:prstGeom prst="rect">
+            <a:avLst/>
+          </a:prstGeom>
+        </p:spPr>
+      </p:pic>
     </p:spTree>
     <p:extLst>
       <p:ext uri="{BB962C8B-B14F-4D97-AF65-F5344CB8AC3E}">
@@ -4583,18 +5910,93 @@
   <p:clrMapOvr>
     <a:masterClrMapping/>
   </p:clrMapOvr>
-  <mc:AlternateContent xmlns:mc="http://schemas.openxmlformats.org/markup-compatibility/2006">
-    <mc:Choice xmlns:p14="http://schemas.microsoft.com/office/powerpoint/2010/main" Requires="p14">
+  <mc:AlternateContent xmlns:mc="http://schemas.openxmlformats.org/markup-compatibility/2006" xmlns:p14="http://schemas.microsoft.com/office/powerpoint/2010/main">
+    <mc:Choice Requires="p14">
       <p:transition spd="med" p14:dur="700">
         <p:fade/>
       </p:transition>
     </mc:Choice>
-    <mc:Fallback>
+    <mc:Fallback xmlns="">
       <p:transition spd="med">
         <p:fade/>
       </p:transition>
     </mc:Fallback>
   </mc:AlternateContent>
+  <p:timing>
+    <p:tnLst>
+      <p:par>
+        <p:cTn id="1" dur="indefinite" restart="never" nodeType="tmRoot">
+          <p:childTnLst>
+            <p:seq concurrent="1" nextAc="seek">
+              <p:cTn id="2" dur="indefinite" nodeType="mainSeq">
+                <p:childTnLst>
+                  <p:par>
+                    <p:cTn id="3" fill="hold">
+                      <p:stCondLst>
+                        <p:cond delay="indefinite"/>
+                      </p:stCondLst>
+                      <p:childTnLst>
+                        <p:par>
+                          <p:cTn id="4" fill="hold">
+                            <p:stCondLst>
+                              <p:cond delay="0"/>
+                            </p:stCondLst>
+                            <p:childTnLst>
+                              <p:par>
+                                <p:cTn id="5" presetID="1" presetClass="entr" presetSubtype="0" fill="hold" nodeType="clickEffect">
+                                  <p:stCondLst>
+                                    <p:cond delay="0"/>
+                                  </p:stCondLst>
+                                  <p:childTnLst>
+                                    <p:set>
+                                      <p:cBhvr>
+                                        <p:cTn id="6" dur="1" fill="hold">
+                                          <p:stCondLst>
+                                            <p:cond delay="0"/>
+                                          </p:stCondLst>
+                                        </p:cTn>
+                                        <p:tgtEl>
+                                          <p:spTgt spid="5"/>
+                                        </p:tgtEl>
+                                        <p:attrNameLst>
+                                          <p:attrName>style.visibility</p:attrName>
+                                        </p:attrNameLst>
+                                      </p:cBhvr>
+                                      <p:to>
+                                        <p:strVal val="visible"/>
+                                      </p:to>
+                                    </p:set>
+                                  </p:childTnLst>
+                                </p:cTn>
+                              </p:par>
+                            </p:childTnLst>
+                          </p:cTn>
+                        </p:par>
+                      </p:childTnLst>
+                    </p:cTn>
+                  </p:par>
+                </p:childTnLst>
+              </p:cTn>
+              <p:prevCondLst>
+                <p:cond evt="onPrev" delay="0">
+                  <p:tgtEl>
+                    <p:sldTgt/>
+                  </p:tgtEl>
+                </p:cond>
+              </p:prevCondLst>
+              <p:nextCondLst>
+                <p:cond evt="onNext" delay="0">
+                  <p:tgtEl>
+                    <p:sldTgt/>
+                  </p:tgtEl>
+                </p:cond>
+              </p:nextCondLst>
+            </p:seq>
+          </p:childTnLst>
+        </p:cTn>
+      </p:par>
+    </p:tnLst>
+  </p:timing>
 </p:sld>
 </file>
 
@@ -4680,13 +6082,13 @@
   <p:clrMapOvr>
     <a:masterClrMapping/>
   </p:clrMapOvr>
-  <mc:AlternateContent xmlns:mc="http://schemas.openxmlformats.org/markup-compatibility/2006">
-    <mc:Choice xmlns:p14="http://schemas.microsoft.com/office/powerpoint/2010/main" Requires="p14">
+  <mc:AlternateContent xmlns:mc="http://schemas.openxmlformats.org/markup-compatibility/2006" xmlns:p14="http://schemas.microsoft.com/office/powerpoint/2010/main">
+    <mc:Choice Requires="p14">
       <p:transition spd="med" p14:dur="700">
         <p:fade/>
       </p:transition>
     </mc:Choice>
-    <mc:Fallback>
+    <mc:Fallback xmlns="">
       <p:transition spd="med">
         <p:fade/>
       </p:transition>
@@ -4777,13 +6179,13 @@
   <p:clrMapOvr>
     <a:masterClrMapping/>
   </p:clrMapOvr>
-  <mc:AlternateContent xmlns:mc="http://schemas.openxmlformats.org/markup-compatibility/2006">
-    <mc:Choice xmlns:p14="http://schemas.microsoft.com/office/powerpoint/2010/main" Requires="p14">
+  <mc:AlternateContent xmlns:mc="http://schemas.openxmlformats.org/markup-compatibility/2006" xmlns:p14="http://schemas.microsoft.com/office/powerpoint/2010/main">
+    <mc:Choice Requires="p14">
       <p:transition spd="med" p14:dur="700">
         <p:fade/>
       </p:transition>
     </mc:Choice>
-    <mc:Fallback>
+    <mc:Fallback xmlns="">
       <p:transition spd="med">
         <p:fade/>
       </p:transition>
